--- a/figures/2022_AT_Figures.pptx
+++ b/figures/2022_AT_Figures.pptx
@@ -224,7 +224,7 @@
           <a:p>
             <a:fld id="{CC3D3CD3-6C8E-47E5-B5EF-FD8131099BED}" type="datetimeFigureOut">
               <a:rPr lang="de-AT" smtClean="0"/>
-              <a:t>06.10.2022</a:t>
+              <a:t>07.10.2022</a:t>
             </a:fld>
             <a:endParaRPr lang="de-AT"/>
           </a:p>
@@ -6422,7 +6422,7 @@
           <a:p>
             <a:fld id="{C5508E98-C065-499C-801C-52E725986CCF}" type="datetimeFigureOut">
               <a:rPr lang="de-DE" smtClean="0"/>
-              <a:t>06.10.2022</a:t>
+              <a:t>07.10.2022</a:t>
             </a:fld>
             <a:endParaRPr lang="de-DE"/>
           </a:p>
@@ -6620,7 +6620,7 @@
           <a:p>
             <a:fld id="{C5508E98-C065-499C-801C-52E725986CCF}" type="datetimeFigureOut">
               <a:rPr lang="de-DE" smtClean="0"/>
-              <a:t>06.10.2022</a:t>
+              <a:t>07.10.2022</a:t>
             </a:fld>
             <a:endParaRPr lang="de-DE"/>
           </a:p>
@@ -6828,7 +6828,7 @@
           <a:p>
             <a:fld id="{C5508E98-C065-499C-801C-52E725986CCF}" type="datetimeFigureOut">
               <a:rPr lang="de-DE" smtClean="0"/>
-              <a:t>06.10.2022</a:t>
+              <a:t>07.10.2022</a:t>
             </a:fld>
             <a:endParaRPr lang="de-DE"/>
           </a:p>
@@ -7026,7 +7026,7 @@
           <a:p>
             <a:fld id="{C5508E98-C065-499C-801C-52E725986CCF}" type="datetimeFigureOut">
               <a:rPr lang="de-DE" smtClean="0"/>
-              <a:t>06.10.2022</a:t>
+              <a:t>07.10.2022</a:t>
             </a:fld>
             <a:endParaRPr lang="de-DE"/>
           </a:p>
@@ -7301,7 +7301,7 @@
           <a:p>
             <a:fld id="{C5508E98-C065-499C-801C-52E725986CCF}" type="datetimeFigureOut">
               <a:rPr lang="de-DE" smtClean="0"/>
-              <a:t>06.10.2022</a:t>
+              <a:t>07.10.2022</a:t>
             </a:fld>
             <a:endParaRPr lang="de-DE"/>
           </a:p>
@@ -7566,7 +7566,7 @@
           <a:p>
             <a:fld id="{C5508E98-C065-499C-801C-52E725986CCF}" type="datetimeFigureOut">
               <a:rPr lang="de-DE" smtClean="0"/>
-              <a:t>06.10.2022</a:t>
+              <a:t>07.10.2022</a:t>
             </a:fld>
             <a:endParaRPr lang="de-DE"/>
           </a:p>
@@ -7978,7 +7978,7 @@
           <a:p>
             <a:fld id="{C5508E98-C065-499C-801C-52E725986CCF}" type="datetimeFigureOut">
               <a:rPr lang="de-DE" smtClean="0"/>
-              <a:t>06.10.2022</a:t>
+              <a:t>07.10.2022</a:t>
             </a:fld>
             <a:endParaRPr lang="de-DE"/>
           </a:p>
@@ -8119,7 +8119,7 @@
           <a:p>
             <a:fld id="{C5508E98-C065-499C-801C-52E725986CCF}" type="datetimeFigureOut">
               <a:rPr lang="de-DE" smtClean="0"/>
-              <a:t>06.10.2022</a:t>
+              <a:t>07.10.2022</a:t>
             </a:fld>
             <a:endParaRPr lang="de-DE"/>
           </a:p>
@@ -8232,7 +8232,7 @@
           <a:p>
             <a:fld id="{C5508E98-C065-499C-801C-52E725986CCF}" type="datetimeFigureOut">
               <a:rPr lang="de-DE" smtClean="0"/>
-              <a:t>06.10.2022</a:t>
+              <a:t>07.10.2022</a:t>
             </a:fld>
             <a:endParaRPr lang="de-DE"/>
           </a:p>
@@ -8543,7 +8543,7 @@
           <a:p>
             <a:fld id="{C5508E98-C065-499C-801C-52E725986CCF}" type="datetimeFigureOut">
               <a:rPr lang="de-DE" smtClean="0"/>
-              <a:t>06.10.2022</a:t>
+              <a:t>07.10.2022</a:t>
             </a:fld>
             <a:endParaRPr lang="de-DE"/>
           </a:p>
@@ -8831,7 +8831,7 @@
           <a:p>
             <a:fld id="{C5508E98-C065-499C-801C-52E725986CCF}" type="datetimeFigureOut">
               <a:rPr lang="de-DE" smtClean="0"/>
-              <a:t>06.10.2022</a:t>
+              <a:t>07.10.2022</a:t>
             </a:fld>
             <a:endParaRPr lang="de-DE"/>
           </a:p>
@@ -9072,7 +9072,7 @@
           <a:p>
             <a:fld id="{C5508E98-C065-499C-801C-52E725986CCF}" type="datetimeFigureOut">
               <a:rPr lang="de-DE" smtClean="0"/>
-              <a:t>06.10.2022</a:t>
+              <a:t>07.10.2022</a:t>
             </a:fld>
             <a:endParaRPr lang="de-DE"/>
           </a:p>
@@ -9815,8 +9815,8 @@
         </p:nvSpPr>
         <p:spPr>
           <a:xfrm>
-            <a:off x="5300352" y="125872"/>
-            <a:ext cx="1331651" cy="369332"/>
+            <a:off x="5191327" y="319817"/>
+            <a:ext cx="1331651" cy="387532"/>
           </a:xfrm>
           <a:prstGeom prst="rect">
             <a:avLst/>
@@ -9883,7 +9883,7 @@
         </p:nvSpPr>
         <p:spPr>
           <a:xfrm>
-            <a:off x="7388087" y="144072"/>
+            <a:off x="8147413" y="325363"/>
             <a:ext cx="1331651" cy="369332"/>
           </a:xfrm>
           <a:prstGeom prst="rect">
@@ -9922,18 +9922,13 @@
           <a:p>
             <a:pPr algn="ctr"/>
             <a:r>
-              <a:rPr lang="de-DE" sz="1400">
+              <a:rPr lang="de-DE" sz="1400" dirty="0">
                 <a:solidFill>
                   <a:schemeClr val="tx1"/>
                 </a:solidFill>
               </a:rPr>
               <a:t>Transition</a:t>
             </a:r>
-            <a:endParaRPr lang="de-DE" sz="1400" dirty="0">
-              <a:solidFill>
-                <a:schemeClr val="tx1"/>
-              </a:solidFill>
-            </a:endParaRPr>
           </a:p>
         </p:txBody>
       </p:sp>
@@ -9954,9 +9949,9 @@
           <p:nvPr/>
         </p:nvCxnSpPr>
         <p:spPr>
-          <a:xfrm rot="10800000">
-            <a:off x="6632003" y="310538"/>
-            <a:ext cx="756084" cy="18200"/>
+          <a:xfrm rot="10800000" flipV="1">
+            <a:off x="6522979" y="510029"/>
+            <a:ext cx="1624435" cy="3554"/>
           </a:xfrm>
           <a:prstGeom prst="bentConnector3">
             <a:avLst>
@@ -9996,7 +9991,7 @@
         </p:nvSpPr>
         <p:spPr>
           <a:xfrm>
-            <a:off x="7388087" y="496501"/>
+            <a:off x="8147413" y="677792"/>
             <a:ext cx="1331651" cy="503010"/>
           </a:xfrm>
           <a:prstGeom prst="rect">
@@ -10083,7 +10078,7 @@
         </p:nvSpPr>
         <p:spPr>
           <a:xfrm>
-            <a:off x="5300353" y="508286"/>
+            <a:off x="5191328" y="702231"/>
             <a:ext cx="1331651" cy="587774"/>
           </a:xfrm>
           <a:prstGeom prst="rect">
@@ -10122,7 +10117,7 @@
           <a:p>
             <a:pPr algn="ctr"/>
             <a:r>
-              <a:rPr lang="de-DE" sz="1400">
+              <a:rPr lang="de-DE" sz="1400" dirty="0" err="1">
                 <a:solidFill>
                   <a:schemeClr val="tx1"/>
                 </a:solidFill>
@@ -10141,12 +10136,28 @@
           <a:p>
             <a:pPr algn="ctr"/>
             <a:r>
-              <a:rPr lang="de-DE" sz="1400">
+              <a:rPr lang="de-DE" sz="1400" dirty="0" err="1">
                 <a:solidFill>
                   <a:schemeClr val="tx1"/>
                 </a:solidFill>
               </a:rPr>
-              <a:t>isActive: Bool</a:t>
+              <a:t>isActive</a:t>
+            </a:r>
+            <a:r>
+              <a:rPr lang="de-DE" sz="1400" dirty="0">
+                <a:solidFill>
+                  <a:schemeClr val="tx1"/>
+                </a:solidFill>
+              </a:rPr>
+              <a:t>: </a:t>
+            </a:r>
+            <a:r>
+              <a:rPr lang="de-DE" sz="1400" dirty="0" err="1">
+                <a:solidFill>
+                  <a:schemeClr val="tx1"/>
+                </a:solidFill>
+              </a:rPr>
+              <a:t>Bool</a:t>
             </a:r>
             <a:endParaRPr lang="de-DE" sz="1400" dirty="0">
               <a:solidFill>
@@ -10157,12 +10168,28 @@
           <a:p>
             <a:pPr algn="ctr"/>
             <a:r>
-              <a:rPr lang="de-DE" sz="1400">
+              <a:rPr lang="de-DE" sz="1400" dirty="0" err="1">
                 <a:solidFill>
                   <a:schemeClr val="tx1"/>
                 </a:solidFill>
               </a:rPr>
-              <a:t>isStart: Bool</a:t>
+              <a:t>isStart</a:t>
+            </a:r>
+            <a:r>
+              <a:rPr lang="de-DE" sz="1400" dirty="0">
+                <a:solidFill>
+                  <a:schemeClr val="tx1"/>
+                </a:solidFill>
+              </a:rPr>
+              <a:t>: </a:t>
+            </a:r>
+            <a:r>
+              <a:rPr lang="de-DE" sz="1400" dirty="0" err="1">
+                <a:solidFill>
+                  <a:schemeClr val="tx1"/>
+                </a:solidFill>
+              </a:rPr>
+              <a:t>Bool</a:t>
             </a:r>
             <a:endParaRPr lang="de-DE" sz="1400" dirty="0">
               <a:solidFill>
@@ -10172,93 +10199,6 @@
           </a:p>
         </p:txBody>
       </p:sp>
-      <p:cxnSp>
-        <p:nvCxnSpPr>
-          <p:cNvPr id="59" name="Gerade Verbindung mit Pfeil 58">
-            <a:extLst>
-              <a:ext uri="{FF2B5EF4-FFF2-40B4-BE49-F238E27FC236}">
-                <a16:creationId xmlns:a16="http://schemas.microsoft.com/office/drawing/2014/main" id="{D73F401B-E785-562F-D177-ED25DF77914C}"/>
-              </a:ext>
-            </a:extLst>
-          </p:cNvPr>
-          <p:cNvCxnSpPr>
-            <a:cxnSpLocks/>
-            <a:endCxn id="35" idx="2"/>
-          </p:cNvCxnSpPr>
-          <p:nvPr/>
-        </p:nvCxnSpPr>
-        <p:spPr>
-          <a:xfrm flipV="1">
-            <a:off x="5872965" y="1096060"/>
-            <a:ext cx="93214" cy="555203"/>
-          </a:xfrm>
-          <a:prstGeom prst="straightConnector1">
-            <a:avLst/>
-          </a:prstGeom>
-          <a:ln>
-            <a:prstDash val="sysDash"/>
-            <a:tailEnd type="triangle"/>
-          </a:ln>
-        </p:spPr>
-        <p:style>
-          <a:lnRef idx="1">
-            <a:schemeClr val="accent1"/>
-          </a:lnRef>
-          <a:fillRef idx="0">
-            <a:schemeClr val="accent1"/>
-          </a:fillRef>
-          <a:effectRef idx="0">
-            <a:schemeClr val="accent1"/>
-          </a:effectRef>
-          <a:fontRef idx="minor">
-            <a:schemeClr val="tx1"/>
-          </a:fontRef>
-        </p:style>
-      </p:cxnSp>
-      <p:cxnSp>
-        <p:nvCxnSpPr>
-          <p:cNvPr id="62" name="Gerade Verbindung mit Pfeil 61">
-            <a:extLst>
-              <a:ext uri="{FF2B5EF4-FFF2-40B4-BE49-F238E27FC236}">
-                <a16:creationId xmlns:a16="http://schemas.microsoft.com/office/drawing/2014/main" id="{BCF7E77A-A112-122C-BFD3-00DA857B0491}"/>
-              </a:ext>
-            </a:extLst>
-          </p:cNvPr>
-          <p:cNvCxnSpPr>
-            <a:cxnSpLocks/>
-            <a:stCxn id="68" idx="0"/>
-            <a:endCxn id="31" idx="2"/>
-          </p:cNvCxnSpPr>
-          <p:nvPr/>
-        </p:nvCxnSpPr>
-        <p:spPr>
-          <a:xfrm flipH="1" flipV="1">
-            <a:off x="8053913" y="999511"/>
-            <a:ext cx="728884" cy="1135323"/>
-          </a:xfrm>
-          <a:prstGeom prst="straightConnector1">
-            <a:avLst/>
-          </a:prstGeom>
-          <a:ln>
-            <a:prstDash val="sysDash"/>
-            <a:tailEnd type="triangle"/>
-          </a:ln>
-        </p:spPr>
-        <p:style>
-          <a:lnRef idx="1">
-            <a:schemeClr val="accent1"/>
-          </a:lnRef>
-          <a:fillRef idx="0">
-            <a:schemeClr val="accent1"/>
-          </a:fillRef>
-          <a:effectRef idx="0">
-            <a:schemeClr val="accent1"/>
-          </a:effectRef>
-          <a:fontRef idx="minor">
-            <a:schemeClr val="tx1"/>
-          </a:fontRef>
-        </p:style>
-      </p:cxnSp>
       <p:sp>
         <p:nvSpPr>
           <p:cNvPr id="5" name="Textfeld 4">
@@ -10309,15 +10249,15 @@
           </p:cNvPr>
           <p:cNvCxnSpPr>
             <a:cxnSpLocks/>
-            <a:stCxn id="6" idx="1"/>
-            <a:endCxn id="44" idx="3"/>
+            <a:stCxn id="44" idx="3"/>
+            <a:endCxn id="27" idx="1"/>
           </p:cNvCxnSpPr>
           <p:nvPr/>
         </p:nvCxnSpPr>
         <p:spPr>
-          <a:xfrm rot="10800000" flipV="1">
-            <a:off x="4402852" y="310538"/>
-            <a:ext cx="897500" cy="436474"/>
+          <a:xfrm>
+            <a:off x="2862752" y="685577"/>
+            <a:ext cx="1113564" cy="25706"/>
           </a:xfrm>
           <a:prstGeom prst="bentConnector3">
             <a:avLst>
@@ -10357,7 +10297,7 @@
         </p:nvSpPr>
         <p:spPr>
           <a:xfrm>
-            <a:off x="5327470" y="1573360"/>
+            <a:off x="5252551" y="1926570"/>
             <a:ext cx="1331651" cy="369332"/>
           </a:xfrm>
           <a:prstGeom prst="rect">
@@ -10426,7 +10366,7 @@
         </p:nvSpPr>
         <p:spPr>
           <a:xfrm>
-            <a:off x="3474788" y="2168982"/>
+            <a:off x="1931461" y="2172116"/>
             <a:ext cx="853075" cy="369332"/>
           </a:xfrm>
           <a:prstGeom prst="rect">
@@ -10489,7 +10429,7 @@
         </p:nvSpPr>
         <p:spPr>
           <a:xfrm>
-            <a:off x="7322703" y="2134834"/>
+            <a:off x="7458852" y="2405265"/>
             <a:ext cx="2920187" cy="437627"/>
           </a:xfrm>
           <a:prstGeom prst="roundRect">
@@ -10558,7 +10498,7 @@
         </p:nvSpPr>
         <p:spPr>
           <a:xfrm>
-            <a:off x="5223517" y="2452696"/>
+            <a:off x="4213651" y="2640820"/>
             <a:ext cx="1331651" cy="369332"/>
           </a:xfrm>
           <a:prstGeom prst="rect">
@@ -10624,15 +10564,15 @@
           </p:cNvPr>
           <p:cNvCxnSpPr>
             <a:cxnSpLocks/>
-            <a:stCxn id="69" idx="1"/>
-            <a:endCxn id="66" idx="3"/>
+            <a:stCxn id="66" idx="3"/>
+            <a:endCxn id="50" idx="1"/>
           </p:cNvCxnSpPr>
           <p:nvPr/>
         </p:nvCxnSpPr>
         <p:spPr>
-          <a:xfrm rot="10800000">
-            <a:off x="4327863" y="2353648"/>
-            <a:ext cx="895654" cy="283714"/>
+          <a:xfrm>
+            <a:off x="2784536" y="2356782"/>
+            <a:ext cx="1191779" cy="12700"/>
           </a:xfrm>
           <a:prstGeom prst="bentConnector3">
             <a:avLst>
@@ -10676,8 +10616,8 @@
         </p:nvCxnSpPr>
         <p:spPr>
           <a:xfrm rot="10800000">
-            <a:off x="6659121" y="1758026"/>
-            <a:ext cx="663582" cy="595622"/>
+            <a:off x="6584202" y="2111237"/>
+            <a:ext cx="874650" cy="512843"/>
           </a:xfrm>
           <a:prstGeom prst="bentConnector3">
             <a:avLst>
@@ -10721,8 +10661,8 @@
         </p:nvCxnSpPr>
         <p:spPr>
           <a:xfrm rot="10800000" flipV="1">
-            <a:off x="6555169" y="2353648"/>
-            <a:ext cx="767535" cy="283714"/>
+            <a:off x="5545302" y="2624078"/>
+            <a:ext cx="1913550" cy="201407"/>
           </a:xfrm>
           <a:prstGeom prst="bentConnector3">
             <a:avLst>
@@ -10762,7 +10702,7 @@
         </p:nvSpPr>
         <p:spPr>
           <a:xfrm>
-            <a:off x="3766541" y="955063"/>
+            <a:off x="2301430" y="892257"/>
             <a:ext cx="134784" cy="118547"/>
           </a:xfrm>
           <a:prstGeom prst="triangle">
@@ -10806,7 +10746,7 @@
         </p:nvSpPr>
         <p:spPr>
           <a:xfrm>
-            <a:off x="3549777" y="562346"/>
+            <a:off x="2009677" y="500911"/>
             <a:ext cx="853075" cy="369332"/>
           </a:xfrm>
           <a:prstGeom prst="rect">
@@ -10867,13 +10807,14 @@
           <p:cNvCxnSpPr>
             <a:cxnSpLocks/>
             <a:stCxn id="40" idx="3"/>
+            <a:endCxn id="66" idx="0"/>
           </p:cNvCxnSpPr>
           <p:nvPr/>
         </p:nvCxnSpPr>
         <p:spPr>
-          <a:xfrm>
-            <a:off x="3833933" y="1073610"/>
-            <a:ext cx="67393" cy="1095372"/>
+          <a:xfrm flipH="1">
+            <a:off x="2357999" y="1010804"/>
+            <a:ext cx="10823" cy="1161312"/>
           </a:xfrm>
           <a:prstGeom prst="line">
             <a:avLst/>
@@ -10910,7 +10851,7 @@
         </p:nvCxnSpPr>
         <p:spPr>
           <a:xfrm>
-            <a:off x="436228" y="2927758"/>
+            <a:off x="436228" y="3215991"/>
             <a:ext cx="11249636" cy="0"/>
           </a:xfrm>
           <a:prstGeom prst="line">
@@ -10932,51 +10873,6 @@
           </a:fontRef>
         </p:style>
       </p:cxnSp>
-      <p:cxnSp>
-        <p:nvCxnSpPr>
-          <p:cNvPr id="4" name="Verbinder: gewinkelt 3">
-            <a:extLst>
-              <a:ext uri="{FF2B5EF4-FFF2-40B4-BE49-F238E27FC236}">
-                <a16:creationId xmlns:a16="http://schemas.microsoft.com/office/drawing/2014/main" id="{1D4D027B-6FFD-29CE-9128-185EF8431DC4}"/>
-              </a:ext>
-            </a:extLst>
-          </p:cNvPr>
-          <p:cNvCxnSpPr>
-            <a:cxnSpLocks/>
-            <a:stCxn id="61" idx="1"/>
-            <a:endCxn id="66" idx="3"/>
-          </p:cNvCxnSpPr>
-          <p:nvPr/>
-        </p:nvCxnSpPr>
-        <p:spPr>
-          <a:xfrm rot="10800000" flipV="1">
-            <a:off x="4327864" y="1758026"/>
-            <a:ext cx="999607" cy="595622"/>
-          </a:xfrm>
-          <a:prstGeom prst="bentConnector3">
-            <a:avLst>
-              <a:gd name="adj1" fmla="val 50000"/>
-            </a:avLst>
-          </a:prstGeom>
-          <a:ln>
-            <a:tailEnd type="triangle"/>
-          </a:ln>
-        </p:spPr>
-        <p:style>
-          <a:lnRef idx="1">
-            <a:schemeClr val="accent1"/>
-          </a:lnRef>
-          <a:fillRef idx="0">
-            <a:schemeClr val="accent1"/>
-          </a:fillRef>
-          <a:effectRef idx="0">
-            <a:schemeClr val="accent1"/>
-          </a:effectRef>
-          <a:fontRef idx="minor">
-            <a:schemeClr val="tx1"/>
-          </a:fontRef>
-        </p:style>
-      </p:cxnSp>
       <p:sp>
         <p:nvSpPr>
           <p:cNvPr id="12" name="Rechteck 11">
@@ -10991,7 +10887,7 @@
         </p:nvSpPr>
         <p:spPr>
           <a:xfrm>
-            <a:off x="1905753" y="3708237"/>
+            <a:off x="2597903" y="3215991"/>
             <a:ext cx="1872423" cy="369332"/>
           </a:xfrm>
           <a:prstGeom prst="rect">
@@ -11116,14 +11012,14 @@
           <p:cNvCxnSpPr>
             <a:cxnSpLocks/>
             <a:stCxn id="12" idx="2"/>
-            <a:endCxn id="13" idx="0"/>
+            <a:endCxn id="21" idx="0"/>
           </p:cNvCxnSpPr>
           <p:nvPr/>
         </p:nvCxnSpPr>
         <p:spPr>
           <a:xfrm rot="16200000" flipH="1">
-            <a:off x="2687690" y="4231843"/>
-            <a:ext cx="312433" cy="3883"/>
+            <a:off x="3361656" y="3757781"/>
+            <a:ext cx="344919" cy="1"/>
           </a:xfrm>
           <a:prstGeom prst="bentConnector3">
             <a:avLst>
@@ -11394,7 +11290,7 @@
         </p:nvSpPr>
         <p:spPr>
           <a:xfrm>
-            <a:off x="33016" y="3800224"/>
+            <a:off x="0" y="3445789"/>
             <a:ext cx="1191941" cy="369332"/>
           </a:xfrm>
           <a:prstGeom prst="rect">
@@ -11496,7 +11392,7 @@
         </p:nvSpPr>
         <p:spPr>
           <a:xfrm>
-            <a:off x="7575919" y="4081910"/>
+            <a:off x="7582270" y="4378557"/>
             <a:ext cx="1918288" cy="369332"/>
           </a:xfrm>
           <a:prstGeom prst="rect">
@@ -11557,14 +11453,14 @@
           <p:cNvCxnSpPr>
             <a:cxnSpLocks/>
             <a:stCxn id="30" idx="2"/>
-            <a:endCxn id="32" idx="0"/>
+            <a:endCxn id="11" idx="0"/>
           </p:cNvCxnSpPr>
           <p:nvPr/>
         </p:nvCxnSpPr>
         <p:spPr>
-          <a:xfrm rot="5400000">
-            <a:off x="8275763" y="3822609"/>
-            <a:ext cx="518601" cy="12700"/>
+          <a:xfrm rot="16200000" flipH="1">
+            <a:off x="8827611" y="3270760"/>
+            <a:ext cx="411769" cy="996865"/>
           </a:xfrm>
           <a:prstGeom prst="bentConnector3">
             <a:avLst>
@@ -11604,7 +11500,7 @@
         </p:nvSpPr>
         <p:spPr>
           <a:xfrm>
-            <a:off x="10305297" y="4806873"/>
+            <a:off x="10311648" y="5103520"/>
             <a:ext cx="1718011" cy="437627"/>
           </a:xfrm>
           <a:prstGeom prst="roundRect">
@@ -11671,7 +11567,7 @@
         </p:nvCxnSpPr>
         <p:spPr>
           <a:xfrm rot="10800000">
-            <a:off x="9494207" y="4266577"/>
+            <a:off x="9500558" y="4563224"/>
             <a:ext cx="811090" cy="759111"/>
           </a:xfrm>
           <a:prstGeom prst="bentConnector3">
@@ -11712,7 +11608,7 @@
         </p:nvSpPr>
         <p:spPr>
           <a:xfrm>
-            <a:off x="7583235" y="5488444"/>
+            <a:off x="7579577" y="5541147"/>
             <a:ext cx="1910971" cy="369332"/>
           </a:xfrm>
           <a:prstGeom prst="rect">
@@ -11779,8 +11675,8 @@
         </p:nvCxnSpPr>
         <p:spPr>
           <a:xfrm rot="10800000" flipV="1">
-            <a:off x="9494207" y="5025686"/>
-            <a:ext cx="811091" cy="647423"/>
+            <a:off x="9490548" y="5322333"/>
+            <a:ext cx="821100" cy="403479"/>
           </a:xfrm>
           <a:prstGeom prst="bentConnector3">
             <a:avLst>
@@ -11820,7 +11716,7 @@
         </p:nvSpPr>
         <p:spPr>
           <a:xfrm>
-            <a:off x="7583236" y="5850216"/>
+            <a:off x="7579578" y="5902919"/>
             <a:ext cx="1910971" cy="863711"/>
           </a:xfrm>
           <a:prstGeom prst="rect">
@@ -11952,7 +11848,7 @@
         </p:nvSpPr>
         <p:spPr>
           <a:xfrm>
-            <a:off x="7575919" y="4443190"/>
+            <a:off x="7582270" y="4739837"/>
             <a:ext cx="1918287" cy="680186"/>
           </a:xfrm>
           <a:prstGeom prst="rect">
@@ -12295,7 +12191,7 @@
                   <a:schemeClr val="tx1"/>
                 </a:solidFill>
               </a:rPr>
-              <a:t>false</a:t>
+              <a:t>true</a:t>
             </a:r>
             <a:endParaRPr lang="de-DE" sz="1400" dirty="0">
               <a:solidFill>
@@ -12326,7 +12222,7 @@
                   <a:schemeClr val="tx1"/>
                 </a:solidFill>
               </a:rPr>
-              <a:t>false</a:t>
+              <a:t>true</a:t>
             </a:r>
             <a:endParaRPr lang="de-DE" sz="1400" dirty="0">
               <a:solidFill>
@@ -12336,6 +12232,492 @@
           </a:p>
         </p:txBody>
       </p:sp>
+      <p:sp>
+        <p:nvSpPr>
+          <p:cNvPr id="11" name="Rechteck 10">
+            <a:extLst>
+              <a:ext uri="{FF2B5EF4-FFF2-40B4-BE49-F238E27FC236}">
+                <a16:creationId xmlns:a16="http://schemas.microsoft.com/office/drawing/2014/main" id="{4A7B2A27-82B0-9A5A-BBC1-4E1BCC0C8561}"/>
+              </a:ext>
+            </a:extLst>
+          </p:cNvPr>
+          <p:cNvSpPr/>
+          <p:nvPr/>
+        </p:nvSpPr>
+        <p:spPr>
+          <a:xfrm>
+            <a:off x="6871855" y="3975078"/>
+            <a:ext cx="5320145" cy="2882921"/>
+          </a:xfrm>
+          <a:prstGeom prst="rect">
+            <a:avLst/>
+          </a:prstGeom>
+          <a:noFill/>
+        </p:spPr>
+        <p:style>
+          <a:lnRef idx="2">
+            <a:schemeClr val="accent1">
+              <a:shade val="50000"/>
+            </a:schemeClr>
+          </a:lnRef>
+          <a:fillRef idx="1">
+            <a:schemeClr val="accent1"/>
+          </a:fillRef>
+          <a:effectRef idx="0">
+            <a:schemeClr val="accent1"/>
+          </a:effectRef>
+          <a:fontRef idx="minor">
+            <a:schemeClr val="lt1"/>
+          </a:fontRef>
+        </p:style>
+        <p:txBody>
+          <a:bodyPr rtlCol="0" anchor="t"/>
+          <a:lstStyle/>
+          <a:p>
+            <a:pPr algn="ctr"/>
+            <a:r>
+              <a:rPr lang="de-DE" dirty="0" err="1">
+                <a:solidFill>
+                  <a:schemeClr val="tx1"/>
+                </a:solidFill>
+              </a:rPr>
+              <a:t>robotStateMachine</a:t>
+            </a:r>
+            <a:r>
+              <a:rPr lang="de-DE" dirty="0">
+                <a:solidFill>
+                  <a:schemeClr val="tx1"/>
+                </a:solidFill>
+              </a:rPr>
+              <a:t>: </a:t>
+            </a:r>
+            <a:r>
+              <a:rPr lang="de-DE" dirty="0" err="1">
+                <a:solidFill>
+                  <a:schemeClr val="tx1"/>
+                </a:solidFill>
+              </a:rPr>
+              <a:t>StateMachine</a:t>
+            </a:r>
+            <a:endParaRPr lang="de-AT" dirty="0">
+              <a:solidFill>
+                <a:schemeClr val="tx1"/>
+              </a:solidFill>
+            </a:endParaRPr>
+          </a:p>
+        </p:txBody>
+      </p:sp>
+      <p:sp>
+        <p:nvSpPr>
+          <p:cNvPr id="21" name="Rechteck 20">
+            <a:extLst>
+              <a:ext uri="{FF2B5EF4-FFF2-40B4-BE49-F238E27FC236}">
+                <a16:creationId xmlns:a16="http://schemas.microsoft.com/office/drawing/2014/main" id="{C4D102D9-2259-3E6C-1547-2BE7CE63E81F}"/>
+              </a:ext>
+            </a:extLst>
+          </p:cNvPr>
+          <p:cNvSpPr/>
+          <p:nvPr/>
+        </p:nvSpPr>
+        <p:spPr>
+          <a:xfrm>
+            <a:off x="436228" y="3930242"/>
+            <a:ext cx="6195775" cy="2927758"/>
+          </a:xfrm>
+          <a:prstGeom prst="rect">
+            <a:avLst/>
+          </a:prstGeom>
+          <a:noFill/>
+        </p:spPr>
+        <p:style>
+          <a:lnRef idx="2">
+            <a:schemeClr val="accent1">
+              <a:shade val="50000"/>
+            </a:schemeClr>
+          </a:lnRef>
+          <a:fillRef idx="1">
+            <a:schemeClr val="accent1"/>
+          </a:fillRef>
+          <a:effectRef idx="0">
+            <a:schemeClr val="accent1"/>
+          </a:effectRef>
+          <a:fontRef idx="minor">
+            <a:schemeClr val="lt1"/>
+          </a:fontRef>
+        </p:style>
+        <p:txBody>
+          <a:bodyPr rtlCol="0" anchor="t"/>
+          <a:lstStyle/>
+          <a:p>
+            <a:pPr algn="ctr"/>
+            <a:r>
+              <a:rPr lang="de-DE" dirty="0" err="1">
+                <a:solidFill>
+                  <a:schemeClr val="tx1"/>
+                </a:solidFill>
+              </a:rPr>
+              <a:t>robotStateMachine</a:t>
+            </a:r>
+            <a:r>
+              <a:rPr lang="de-DE" dirty="0">
+                <a:solidFill>
+                  <a:schemeClr val="tx1"/>
+                </a:solidFill>
+              </a:rPr>
+              <a:t>: </a:t>
+            </a:r>
+            <a:r>
+              <a:rPr lang="de-DE" dirty="0" err="1">
+                <a:solidFill>
+                  <a:schemeClr val="tx1"/>
+                </a:solidFill>
+              </a:rPr>
+              <a:t>RobotStateMachine</a:t>
+            </a:r>
+            <a:endParaRPr lang="de-AT" dirty="0">
+              <a:solidFill>
+                <a:schemeClr val="tx1"/>
+              </a:solidFill>
+            </a:endParaRPr>
+          </a:p>
+        </p:txBody>
+      </p:sp>
+      <p:sp>
+        <p:nvSpPr>
+          <p:cNvPr id="37" name="Gleichschenkliges Dreieck 36">
+            <a:extLst>
+              <a:ext uri="{FF2B5EF4-FFF2-40B4-BE49-F238E27FC236}">
+                <a16:creationId xmlns:a16="http://schemas.microsoft.com/office/drawing/2014/main" id="{7C44AB1A-8509-89D7-BDD7-2532FE66AB56}"/>
+              </a:ext>
+            </a:extLst>
+          </p:cNvPr>
+          <p:cNvSpPr/>
+          <p:nvPr/>
+        </p:nvSpPr>
+        <p:spPr>
+          <a:xfrm>
+            <a:off x="5852190" y="1301476"/>
+            <a:ext cx="134784" cy="118547"/>
+          </a:xfrm>
+          <a:prstGeom prst="triangle">
+            <a:avLst/>
+          </a:prstGeom>
+        </p:spPr>
+        <p:style>
+          <a:lnRef idx="2">
+            <a:schemeClr val="accent1"/>
+          </a:lnRef>
+          <a:fillRef idx="1">
+            <a:schemeClr val="lt1"/>
+          </a:fillRef>
+          <a:effectRef idx="0">
+            <a:schemeClr val="accent1"/>
+          </a:effectRef>
+          <a:fontRef idx="minor">
+            <a:schemeClr val="dk1"/>
+          </a:fontRef>
+        </p:style>
+        <p:txBody>
+          <a:bodyPr rtlCol="0" anchor="ctr"/>
+          <a:lstStyle/>
+          <a:p>
+            <a:pPr algn="ctr"/>
+            <a:endParaRPr lang="de-DE"/>
+          </a:p>
+        </p:txBody>
+      </p:sp>
+      <p:cxnSp>
+        <p:nvCxnSpPr>
+          <p:cNvPr id="39" name="Gerader Verbinder 38">
+            <a:extLst>
+              <a:ext uri="{FF2B5EF4-FFF2-40B4-BE49-F238E27FC236}">
+                <a16:creationId xmlns:a16="http://schemas.microsoft.com/office/drawing/2014/main" id="{44CE2A02-21E2-32E8-7455-EB9258FA3FFA}"/>
+              </a:ext>
+            </a:extLst>
+          </p:cNvPr>
+          <p:cNvCxnSpPr>
+            <a:cxnSpLocks/>
+            <a:stCxn id="37" idx="3"/>
+            <a:endCxn id="61" idx="0"/>
+          </p:cNvCxnSpPr>
+          <p:nvPr/>
+        </p:nvCxnSpPr>
+        <p:spPr>
+          <a:xfrm flipH="1">
+            <a:off x="5918377" y="1420023"/>
+            <a:ext cx="1205" cy="506547"/>
+          </a:xfrm>
+          <a:prstGeom prst="line">
+            <a:avLst/>
+          </a:prstGeom>
+        </p:spPr>
+        <p:style>
+          <a:lnRef idx="1">
+            <a:schemeClr val="accent1"/>
+          </a:lnRef>
+          <a:fillRef idx="0">
+            <a:schemeClr val="accent1"/>
+          </a:fillRef>
+          <a:effectRef idx="0">
+            <a:schemeClr val="accent1"/>
+          </a:effectRef>
+          <a:fontRef idx="minor">
+            <a:schemeClr val="tx1"/>
+          </a:fontRef>
+        </p:style>
+      </p:cxnSp>
+      <p:sp>
+        <p:nvSpPr>
+          <p:cNvPr id="27" name="Rechteck 26">
+            <a:extLst>
+              <a:ext uri="{FF2B5EF4-FFF2-40B4-BE49-F238E27FC236}">
+                <a16:creationId xmlns:a16="http://schemas.microsoft.com/office/drawing/2014/main" id="{ADCF6ADB-66FB-4F2F-6A0B-6650067C0552}"/>
+              </a:ext>
+            </a:extLst>
+          </p:cNvPr>
+          <p:cNvSpPr/>
+          <p:nvPr/>
+        </p:nvSpPr>
+        <p:spPr>
+          <a:xfrm>
+            <a:off x="3976316" y="59363"/>
+            <a:ext cx="6583014" cy="1303840"/>
+          </a:xfrm>
+          <a:prstGeom prst="rect">
+            <a:avLst/>
+          </a:prstGeom>
+          <a:noFill/>
+          <a:ln>
+            <a:solidFill>
+              <a:schemeClr val="tx1"/>
+            </a:solidFill>
+          </a:ln>
+        </p:spPr>
+        <p:style>
+          <a:lnRef idx="2">
+            <a:schemeClr val="accent1">
+              <a:shade val="50000"/>
+            </a:schemeClr>
+          </a:lnRef>
+          <a:fillRef idx="1">
+            <a:schemeClr val="accent1"/>
+          </a:fillRef>
+          <a:effectRef idx="0">
+            <a:schemeClr val="accent1"/>
+          </a:effectRef>
+          <a:fontRef idx="minor">
+            <a:schemeClr val="lt1"/>
+          </a:fontRef>
+        </p:style>
+        <p:txBody>
+          <a:bodyPr rtlCol="0" anchor="t"/>
+          <a:lstStyle/>
+          <a:p>
+            <a:pPr algn="ctr"/>
+            <a:r>
+              <a:rPr lang="de-DE" sz="1400" dirty="0" err="1">
+                <a:solidFill>
+                  <a:schemeClr val="tx1"/>
+                </a:solidFill>
+              </a:rPr>
+              <a:t>StateMachine</a:t>
+            </a:r>
+            <a:endParaRPr lang="de-DE" sz="1400" dirty="0">
+              <a:solidFill>
+                <a:schemeClr val="tx1"/>
+              </a:solidFill>
+            </a:endParaRPr>
+          </a:p>
+        </p:txBody>
+      </p:sp>
+      <p:sp>
+        <p:nvSpPr>
+          <p:cNvPr id="50" name="Rechteck 49">
+            <a:extLst>
+              <a:ext uri="{FF2B5EF4-FFF2-40B4-BE49-F238E27FC236}">
+                <a16:creationId xmlns:a16="http://schemas.microsoft.com/office/drawing/2014/main" id="{2B300968-DF75-DFFD-93E9-6734E8313BBB}"/>
+              </a:ext>
+            </a:extLst>
+          </p:cNvPr>
+          <p:cNvSpPr/>
+          <p:nvPr/>
+        </p:nvSpPr>
+        <p:spPr>
+          <a:xfrm>
+            <a:off x="3976315" y="1578236"/>
+            <a:ext cx="6583014" cy="1557091"/>
+          </a:xfrm>
+          <a:prstGeom prst="rect">
+            <a:avLst/>
+          </a:prstGeom>
+          <a:noFill/>
+          <a:ln>
+            <a:solidFill>
+              <a:schemeClr val="tx1"/>
+            </a:solidFill>
+          </a:ln>
+        </p:spPr>
+        <p:style>
+          <a:lnRef idx="2">
+            <a:schemeClr val="accent1">
+              <a:shade val="50000"/>
+            </a:schemeClr>
+          </a:lnRef>
+          <a:fillRef idx="1">
+            <a:schemeClr val="accent1"/>
+          </a:fillRef>
+          <a:effectRef idx="0">
+            <a:schemeClr val="accent1"/>
+          </a:effectRef>
+          <a:fontRef idx="minor">
+            <a:schemeClr val="lt1"/>
+          </a:fontRef>
+        </p:style>
+        <p:txBody>
+          <a:bodyPr rtlCol="0" anchor="t"/>
+          <a:lstStyle/>
+          <a:p>
+            <a:pPr algn="ctr"/>
+            <a:r>
+              <a:rPr lang="de-DE" sz="1400" dirty="0" err="1">
+                <a:solidFill>
+                  <a:schemeClr val="tx1"/>
+                </a:solidFill>
+              </a:rPr>
+              <a:t>RobotStateMachine</a:t>
+            </a:r>
+            <a:endParaRPr lang="de-DE" sz="1400" dirty="0">
+              <a:solidFill>
+                <a:schemeClr val="tx1"/>
+              </a:solidFill>
+            </a:endParaRPr>
+          </a:p>
+        </p:txBody>
+      </p:sp>
+      <p:cxnSp>
+        <p:nvCxnSpPr>
+          <p:cNvPr id="67" name="Gerader Verbinder 66">
+            <a:extLst>
+              <a:ext uri="{FF2B5EF4-FFF2-40B4-BE49-F238E27FC236}">
+                <a16:creationId xmlns:a16="http://schemas.microsoft.com/office/drawing/2014/main" id="{0C9E92EE-3F06-99F3-7411-84505681DCC9}"/>
+              </a:ext>
+            </a:extLst>
+          </p:cNvPr>
+          <p:cNvCxnSpPr>
+            <a:cxnSpLocks/>
+            <a:stCxn id="37" idx="3"/>
+            <a:endCxn id="69" idx="0"/>
+          </p:cNvCxnSpPr>
+          <p:nvPr/>
+        </p:nvCxnSpPr>
+        <p:spPr>
+          <a:xfrm flipH="1">
+            <a:off x="4879477" y="1420023"/>
+            <a:ext cx="1040105" cy="1220797"/>
+          </a:xfrm>
+          <a:prstGeom prst="line">
+            <a:avLst/>
+          </a:prstGeom>
+        </p:spPr>
+        <p:style>
+          <a:lnRef idx="1">
+            <a:schemeClr val="accent1"/>
+          </a:lnRef>
+          <a:fillRef idx="0">
+            <a:schemeClr val="accent1"/>
+          </a:fillRef>
+          <a:effectRef idx="0">
+            <a:schemeClr val="accent1"/>
+          </a:effectRef>
+          <a:fontRef idx="minor">
+            <a:schemeClr val="tx1"/>
+          </a:fontRef>
+        </p:style>
+      </p:cxnSp>
+      <p:sp>
+        <p:nvSpPr>
+          <p:cNvPr id="75" name="Gleichschenkliges Dreieck 74">
+            <a:extLst>
+              <a:ext uri="{FF2B5EF4-FFF2-40B4-BE49-F238E27FC236}">
+                <a16:creationId xmlns:a16="http://schemas.microsoft.com/office/drawing/2014/main" id="{C9E11C08-BADC-E626-3242-5E8F24A7F4A8}"/>
+              </a:ext>
+            </a:extLst>
+          </p:cNvPr>
+          <p:cNvSpPr/>
+          <p:nvPr/>
+        </p:nvSpPr>
+        <p:spPr>
+          <a:xfrm>
+            <a:off x="8851554" y="1188755"/>
+            <a:ext cx="134784" cy="118547"/>
+          </a:xfrm>
+          <a:prstGeom prst="triangle">
+            <a:avLst/>
+          </a:prstGeom>
+        </p:spPr>
+        <p:style>
+          <a:lnRef idx="2">
+            <a:schemeClr val="accent1"/>
+          </a:lnRef>
+          <a:fillRef idx="1">
+            <a:schemeClr val="lt1"/>
+          </a:fillRef>
+          <a:effectRef idx="0">
+            <a:schemeClr val="accent1"/>
+          </a:effectRef>
+          <a:fontRef idx="minor">
+            <a:schemeClr val="dk1"/>
+          </a:fontRef>
+        </p:style>
+        <p:txBody>
+          <a:bodyPr rtlCol="0" anchor="ctr"/>
+          <a:lstStyle/>
+          <a:p>
+            <a:pPr algn="ctr"/>
+            <a:endParaRPr lang="de-DE"/>
+          </a:p>
+        </p:txBody>
+      </p:sp>
+      <p:cxnSp>
+        <p:nvCxnSpPr>
+          <p:cNvPr id="80" name="Gerader Verbinder 79">
+            <a:extLst>
+              <a:ext uri="{FF2B5EF4-FFF2-40B4-BE49-F238E27FC236}">
+                <a16:creationId xmlns:a16="http://schemas.microsoft.com/office/drawing/2014/main" id="{6E0619C9-8E85-4391-13D6-CE10E42C39A2}"/>
+              </a:ext>
+            </a:extLst>
+          </p:cNvPr>
+          <p:cNvCxnSpPr>
+            <a:cxnSpLocks/>
+            <a:stCxn id="75" idx="3"/>
+            <a:endCxn id="68" idx="0"/>
+          </p:cNvCxnSpPr>
+          <p:nvPr/>
+        </p:nvCxnSpPr>
+        <p:spPr>
+          <a:xfrm>
+            <a:off x="8918946" y="1307302"/>
+            <a:ext cx="0" cy="1097963"/>
+          </a:xfrm>
+          <a:prstGeom prst="line">
+            <a:avLst/>
+          </a:prstGeom>
+        </p:spPr>
+        <p:style>
+          <a:lnRef idx="1">
+            <a:schemeClr val="accent1"/>
+          </a:lnRef>
+          <a:fillRef idx="0">
+            <a:schemeClr val="accent1"/>
+          </a:fillRef>
+          <a:effectRef idx="0">
+            <a:schemeClr val="accent1"/>
+          </a:effectRef>
+          <a:fontRef idx="minor">
+            <a:schemeClr val="tx1"/>
+          </a:fontRef>
+        </p:style>
+      </p:cxnSp>
     </p:spTree>
     <p:extLst>
       <p:ext uri="{BB962C8B-B14F-4D97-AF65-F5344CB8AC3E}">
@@ -12380,7 +12762,7 @@
         </p:nvSpPr>
         <p:spPr>
           <a:xfrm>
-            <a:off x="694394" y="365571"/>
+            <a:off x="1759335" y="356674"/>
             <a:ext cx="1872423" cy="252000"/>
           </a:xfrm>
           <a:prstGeom prst="rect">
@@ -12443,7 +12825,7 @@
         </p:nvSpPr>
         <p:spPr>
           <a:xfrm>
-            <a:off x="675345" y="746999"/>
+            <a:off x="667556" y="1163433"/>
             <a:ext cx="1918287" cy="250924"/>
           </a:xfrm>
           <a:prstGeom prst="rect">
@@ -12483,18 +12865,13 @@
           <a:p>
             <a:pPr algn="ctr"/>
             <a:r>
-              <a:rPr lang="de-DE" sz="1400">
+              <a:rPr lang="de-DE" sz="1400" dirty="0">
                 <a:solidFill>
                   <a:schemeClr val="tx1"/>
                 </a:solidFill>
               </a:rPr>
               <a:t>pg1:processing</a:t>
             </a:r>
-            <a:endParaRPr lang="de-DE" sz="1400" dirty="0">
-              <a:solidFill>
-                <a:schemeClr val="tx1"/>
-              </a:solidFill>
-            </a:endParaRPr>
           </a:p>
         </p:txBody>
       </p:sp>
@@ -12510,14 +12887,14 @@
           <p:cNvCxnSpPr>
             <a:cxnSpLocks/>
             <a:stCxn id="12" idx="2"/>
-            <a:endCxn id="13" idx="0"/>
+            <a:endCxn id="3" idx="0"/>
           </p:cNvCxnSpPr>
           <p:nvPr/>
         </p:nvCxnSpPr>
         <p:spPr>
-          <a:xfrm rot="16200000" flipH="1">
-            <a:off x="1567833" y="680343"/>
-            <a:ext cx="129428" cy="3883"/>
+          <a:xfrm rot="5400000">
+            <a:off x="2562179" y="742042"/>
+            <a:ext cx="266736" cy="12700"/>
           </a:xfrm>
           <a:prstGeom prst="bentConnector3">
             <a:avLst>
@@ -12561,7 +12938,7 @@
         </p:nvCxnSpPr>
         <p:spPr>
           <a:xfrm rot="10800000">
-            <a:off x="2593632" y="872462"/>
+            <a:off x="2585843" y="1288896"/>
             <a:ext cx="370042" cy="276855"/>
           </a:xfrm>
           <a:prstGeom prst="bentConnector3">
@@ -12602,7 +12979,7 @@
         </p:nvSpPr>
         <p:spPr>
           <a:xfrm>
-            <a:off x="679704" y="1868970"/>
+            <a:off x="671915" y="2285404"/>
             <a:ext cx="1906612" cy="252000"/>
           </a:xfrm>
           <a:prstGeom prst="rect">
@@ -12670,7 +13047,7 @@
         </p:nvCxnSpPr>
         <p:spPr>
           <a:xfrm rot="10800000" flipV="1">
-            <a:off x="2586317" y="1528370"/>
+            <a:off x="2578528" y="1944804"/>
             <a:ext cx="376885" cy="466599"/>
           </a:xfrm>
           <a:prstGeom prst="bentConnector3">
@@ -12711,7 +13088,7 @@
         </p:nvSpPr>
         <p:spPr>
           <a:xfrm>
-            <a:off x="7209064" y="367655"/>
+            <a:off x="8166703" y="307813"/>
             <a:ext cx="1918288" cy="252000"/>
           </a:xfrm>
           <a:prstGeom prst="rect">
@@ -12774,7 +13151,7 @@
         </p:nvSpPr>
         <p:spPr>
           <a:xfrm>
-            <a:off x="7209064" y="774957"/>
+            <a:off x="7228498" y="1125217"/>
             <a:ext cx="1918288" cy="252000"/>
           </a:xfrm>
           <a:prstGeom prst="rect">
@@ -12835,14 +13212,14 @@
           <p:cNvCxnSpPr>
             <a:cxnSpLocks/>
             <a:stCxn id="30" idx="2"/>
-            <a:endCxn id="32" idx="0"/>
+            <a:endCxn id="35" idx="0"/>
           </p:cNvCxnSpPr>
           <p:nvPr/>
         </p:nvCxnSpPr>
         <p:spPr>
-          <a:xfrm rot="5400000">
-            <a:off x="8090557" y="697306"/>
-            <a:ext cx="155302" cy="12700"/>
+          <a:xfrm rot="16200000" flipH="1">
+            <a:off x="9015803" y="669857"/>
+            <a:ext cx="228865" cy="8776"/>
           </a:xfrm>
           <a:prstGeom prst="bentConnector3">
             <a:avLst>
@@ -12885,7 +13262,7 @@
         </p:nvCxnSpPr>
         <p:spPr>
           <a:xfrm rot="10800000">
-            <a:off x="9127353" y="900958"/>
+            <a:off x="9146787" y="1251218"/>
             <a:ext cx="606825" cy="487181"/>
           </a:xfrm>
           <a:prstGeom prst="bentConnector3">
@@ -12926,7 +13303,7 @@
         </p:nvSpPr>
         <p:spPr>
           <a:xfrm>
-            <a:off x="7225324" y="1869005"/>
+            <a:off x="7244758" y="2219265"/>
             <a:ext cx="1910971" cy="252000"/>
           </a:xfrm>
           <a:prstGeom prst="rect">
@@ -12992,7 +13369,7 @@
         </p:nvCxnSpPr>
         <p:spPr>
           <a:xfrm rot="10800000" flipV="1">
-            <a:off x="9136295" y="1388137"/>
+            <a:off x="9155729" y="1738397"/>
             <a:ext cx="597882" cy="606867"/>
           </a:xfrm>
           <a:prstGeom prst="bentConnector3">
@@ -13033,7 +13410,7 @@
         </p:nvSpPr>
         <p:spPr>
           <a:xfrm>
-            <a:off x="7225324" y="2110520"/>
+            <a:off x="7244758" y="2460780"/>
             <a:ext cx="1910971" cy="745459"/>
           </a:xfrm>
           <a:prstGeom prst="rect">
@@ -13165,7 +13542,7 @@
         </p:nvSpPr>
         <p:spPr>
           <a:xfrm>
-            <a:off x="7207834" y="1023854"/>
+            <a:off x="7227268" y="1374114"/>
             <a:ext cx="1918287" cy="680186"/>
           </a:xfrm>
           <a:prstGeom prst="rect">
@@ -13297,7 +13674,7 @@
         </p:nvSpPr>
         <p:spPr>
           <a:xfrm>
-            <a:off x="675344" y="2112530"/>
+            <a:off x="667555" y="2528964"/>
             <a:ext cx="1910971" cy="708225"/>
           </a:xfrm>
           <a:prstGeom prst="rect">
@@ -13430,7 +13807,7 @@
         </p:nvSpPr>
         <p:spPr>
           <a:xfrm>
-            <a:off x="675344" y="997923"/>
+            <a:off x="667555" y="1414357"/>
             <a:ext cx="1910971" cy="708225"/>
           </a:xfrm>
           <a:prstGeom prst="rect">
@@ -13539,7 +13916,7 @@
                   <a:schemeClr val="tx1"/>
                 </a:solidFill>
               </a:rPr>
-              <a:t>false</a:t>
+              <a:t>true</a:t>
             </a:r>
             <a:endParaRPr lang="de-DE" sz="1400" dirty="0">
               <a:solidFill>
@@ -13564,7 +13941,7 @@
         <p:spPr>
           <a:xfrm>
             <a:off x="304746" y="14942"/>
-            <a:ext cx="4715176" cy="2875602"/>
+            <a:ext cx="4707388" cy="3367101"/>
           </a:xfrm>
           <a:prstGeom prst="rect">
             <a:avLst/>
@@ -13622,8 +13999,8 @@
         </p:nvSpPr>
         <p:spPr>
           <a:xfrm>
-            <a:off x="6698571" y="9097"/>
-            <a:ext cx="5017713" cy="2875602"/>
+            <a:off x="6672721" y="17040"/>
+            <a:ext cx="5017713" cy="3284955"/>
           </a:xfrm>
           <a:prstGeom prst="rect">
             <a:avLst/>
@@ -13681,7 +14058,7 @@
         </p:nvSpPr>
         <p:spPr>
           <a:xfrm>
-            <a:off x="694394" y="3779629"/>
+            <a:off x="1765685" y="3883442"/>
             <a:ext cx="1872423" cy="252000"/>
           </a:xfrm>
           <a:prstGeom prst="rect">
@@ -13744,7 +14121,7 @@
         </p:nvSpPr>
         <p:spPr>
           <a:xfrm>
-            <a:off x="675345" y="4161057"/>
+            <a:off x="675345" y="4703319"/>
             <a:ext cx="1918287" cy="250924"/>
           </a:xfrm>
           <a:prstGeom prst="rect">
@@ -13811,14 +14188,14 @@
           <p:cNvCxnSpPr>
             <a:cxnSpLocks/>
             <a:stCxn id="82" idx="2"/>
-            <a:endCxn id="83" idx="0"/>
+            <a:endCxn id="11" idx="0"/>
           </p:cNvCxnSpPr>
           <p:nvPr/>
         </p:nvCxnSpPr>
         <p:spPr>
-          <a:xfrm rot="16200000" flipH="1">
-            <a:off x="1567833" y="4094401"/>
-            <a:ext cx="129428" cy="3883"/>
+          <a:xfrm rot="5400000">
+            <a:off x="2557067" y="4273922"/>
+            <a:ext cx="283310" cy="6350"/>
           </a:xfrm>
           <a:prstGeom prst="bentConnector3">
             <a:avLst>
@@ -13862,7 +14239,7 @@
         </p:nvCxnSpPr>
         <p:spPr>
           <a:xfrm rot="10800000">
-            <a:off x="2593633" y="4286519"/>
+            <a:off x="2593633" y="4828781"/>
             <a:ext cx="363281" cy="353420"/>
           </a:xfrm>
           <a:prstGeom prst="bentConnector3">
@@ -13903,7 +14280,7 @@
         </p:nvSpPr>
         <p:spPr>
           <a:xfrm>
-            <a:off x="679704" y="5283028"/>
+            <a:off x="679704" y="5825290"/>
             <a:ext cx="1906612" cy="252000"/>
           </a:xfrm>
           <a:prstGeom prst="rect">
@@ -13971,7 +14348,7 @@
         </p:nvCxnSpPr>
         <p:spPr>
           <a:xfrm rot="10800000" flipV="1">
-            <a:off x="2586316" y="5018994"/>
+            <a:off x="2586316" y="5561256"/>
             <a:ext cx="370124" cy="390034"/>
           </a:xfrm>
           <a:prstGeom prst="bentConnector3">
@@ -14012,7 +14389,7 @@
         </p:nvSpPr>
         <p:spPr>
           <a:xfrm>
-            <a:off x="7209064" y="3781713"/>
+            <a:off x="8165259" y="3882049"/>
             <a:ext cx="1918288" cy="252000"/>
           </a:xfrm>
           <a:prstGeom prst="rect">
@@ -14075,7 +14452,7 @@
         </p:nvSpPr>
         <p:spPr>
           <a:xfrm>
-            <a:off x="7209064" y="4189015"/>
+            <a:off x="7183215" y="4731218"/>
             <a:ext cx="1918288" cy="252000"/>
           </a:xfrm>
           <a:prstGeom prst="rect">
@@ -14136,14 +14513,14 @@
           <p:cNvCxnSpPr>
             <a:cxnSpLocks/>
             <a:stCxn id="90" idx="2"/>
-            <a:endCxn id="91" idx="0"/>
+            <a:endCxn id="28" idx="0"/>
           </p:cNvCxnSpPr>
           <p:nvPr/>
         </p:nvCxnSpPr>
         <p:spPr>
           <a:xfrm rot="5400000">
-            <a:off x="8090557" y="4111364"/>
-            <a:ext cx="155302" cy="12700"/>
+            <a:off x="8982052" y="4276400"/>
+            <a:ext cx="284703" cy="12700"/>
           </a:xfrm>
           <a:prstGeom prst="bentConnector3">
             <a:avLst>
@@ -14186,7 +14563,7 @@
         </p:nvCxnSpPr>
         <p:spPr>
           <a:xfrm rot="10800000">
-            <a:off x="9127353" y="4315016"/>
+            <a:off x="9101504" y="4857219"/>
             <a:ext cx="606825" cy="487181"/>
           </a:xfrm>
           <a:prstGeom prst="bentConnector3">
@@ -14227,7 +14604,7 @@
         </p:nvSpPr>
         <p:spPr>
           <a:xfrm>
-            <a:off x="7225324" y="5283063"/>
+            <a:off x="7199475" y="5825266"/>
             <a:ext cx="1910971" cy="252000"/>
           </a:xfrm>
           <a:prstGeom prst="rect">
@@ -14293,7 +14670,7 @@
         </p:nvCxnSpPr>
         <p:spPr>
           <a:xfrm rot="10800000" flipV="1">
-            <a:off x="9136295" y="4802195"/>
+            <a:off x="9110446" y="5344398"/>
             <a:ext cx="597882" cy="606867"/>
           </a:xfrm>
           <a:prstGeom prst="bentConnector3">
@@ -14334,7 +14711,7 @@
         </p:nvSpPr>
         <p:spPr>
           <a:xfrm>
-            <a:off x="7225324" y="5524578"/>
+            <a:off x="7199475" y="6066781"/>
             <a:ext cx="1910971" cy="745459"/>
           </a:xfrm>
           <a:prstGeom prst="rect">
@@ -14466,7 +14843,7 @@
         </p:nvSpPr>
         <p:spPr>
           <a:xfrm>
-            <a:off x="7207834" y="4437912"/>
+            <a:off x="7181985" y="4980115"/>
             <a:ext cx="1918287" cy="680186"/>
           </a:xfrm>
           <a:prstGeom prst="rect">
@@ -14598,7 +14975,7 @@
         </p:nvSpPr>
         <p:spPr>
           <a:xfrm>
-            <a:off x="675344" y="5526588"/>
+            <a:off x="675344" y="6068850"/>
             <a:ext cx="1910971" cy="708225"/>
           </a:xfrm>
           <a:prstGeom prst="rect">
@@ -14731,7 +15108,7 @@
         </p:nvSpPr>
         <p:spPr>
           <a:xfrm>
-            <a:off x="675344" y="4411981"/>
+            <a:off x="675344" y="4954243"/>
             <a:ext cx="1910971" cy="708225"/>
           </a:xfrm>
           <a:prstGeom prst="rect">
@@ -14864,8 +15241,8 @@
         </p:nvSpPr>
         <p:spPr>
           <a:xfrm>
-            <a:off x="304746" y="3429000"/>
-            <a:ext cx="4707388" cy="2875602"/>
+            <a:off x="304746" y="3639882"/>
+            <a:ext cx="4707388" cy="3206982"/>
           </a:xfrm>
           <a:prstGeom prst="rect">
             <a:avLst/>
@@ -14923,8 +15300,8 @@
         </p:nvSpPr>
         <p:spPr>
           <a:xfrm>
-            <a:off x="6698571" y="3423155"/>
-            <a:ext cx="5017713" cy="2875602"/>
+            <a:off x="6672722" y="3563948"/>
+            <a:ext cx="5017713" cy="3277012"/>
           </a:xfrm>
           <a:prstGeom prst="rect">
             <a:avLst/>
@@ -14985,9 +15362,9 @@
           <p:nvPr/>
         </p:nvCxnSpPr>
         <p:spPr>
-          <a:xfrm flipH="1">
-            <a:off x="2658440" y="2890544"/>
-            <a:ext cx="3894" cy="538456"/>
+          <a:xfrm>
+            <a:off x="2658440" y="3382043"/>
+            <a:ext cx="0" cy="257839"/>
           </a:xfrm>
           <a:prstGeom prst="straightConnector1">
             <a:avLst/>
@@ -15029,8 +15406,8 @@
         </p:nvCxnSpPr>
         <p:spPr>
           <a:xfrm>
-            <a:off x="9207428" y="2884699"/>
-            <a:ext cx="0" cy="538456"/>
+            <a:off x="9181578" y="3301995"/>
+            <a:ext cx="1" cy="261953"/>
           </a:xfrm>
           <a:prstGeom prst="straightConnector1">
             <a:avLst/>
@@ -15068,7 +15445,7 @@
         </p:nvSpPr>
         <p:spPr>
           <a:xfrm>
-            <a:off x="2963674" y="1023854"/>
+            <a:off x="2955885" y="1440288"/>
             <a:ext cx="1918287" cy="250924"/>
           </a:xfrm>
           <a:prstGeom prst="rect">
@@ -15132,8 +15509,8 @@
         </p:nvSpPr>
         <p:spPr>
           <a:xfrm>
-            <a:off x="2963201" y="1270531"/>
-            <a:ext cx="1910971" cy="515679"/>
+            <a:off x="2955412" y="1686965"/>
+            <a:ext cx="1918760" cy="515679"/>
           </a:xfrm>
           <a:prstGeom prst="rect">
             <a:avLst/>
@@ -15234,7 +15611,7 @@
         </p:nvSpPr>
         <p:spPr>
           <a:xfrm>
-            <a:off x="2956913" y="4514477"/>
+            <a:off x="2956913" y="5056739"/>
             <a:ext cx="1918287" cy="250924"/>
           </a:xfrm>
           <a:prstGeom prst="rect">
@@ -15298,8 +15675,8 @@
         </p:nvSpPr>
         <p:spPr>
           <a:xfrm>
-            <a:off x="2956440" y="4761154"/>
-            <a:ext cx="1910971" cy="515679"/>
+            <a:off x="2956440" y="5303416"/>
+            <a:ext cx="1917732" cy="515679"/>
           </a:xfrm>
           <a:prstGeom prst="rect">
             <a:avLst/>
@@ -15400,7 +15777,7 @@
         </p:nvSpPr>
         <p:spPr>
           <a:xfrm>
-            <a:off x="9756580" y="1145069"/>
+            <a:off x="9776014" y="1495329"/>
             <a:ext cx="1339892" cy="250924"/>
           </a:xfrm>
           <a:prstGeom prst="rect">
@@ -15464,7 +15841,7 @@
         </p:nvSpPr>
         <p:spPr>
           <a:xfrm>
-            <a:off x="9756107" y="1391746"/>
+            <a:off x="9775541" y="1742006"/>
             <a:ext cx="1339892" cy="515679"/>
           </a:xfrm>
           <a:prstGeom prst="rect">
@@ -15566,7 +15943,7 @@
         </p:nvSpPr>
         <p:spPr>
           <a:xfrm>
-            <a:off x="9726862" y="4478778"/>
+            <a:off x="9701013" y="5020981"/>
             <a:ext cx="1356149" cy="250924"/>
           </a:xfrm>
           <a:prstGeom prst="rect">
@@ -15630,7 +16007,7 @@
         </p:nvSpPr>
         <p:spPr>
           <a:xfrm>
-            <a:off x="9726388" y="4725455"/>
+            <a:off x="9700539" y="5267658"/>
             <a:ext cx="1356623" cy="515679"/>
           </a:xfrm>
           <a:prstGeom prst="rect">
@@ -15756,6 +16133,306 @@
           </a:fontRef>
         </p:style>
       </p:cxnSp>
+      <p:sp>
+        <p:nvSpPr>
+          <p:cNvPr id="3" name="Rechteck 2">
+            <a:extLst>
+              <a:ext uri="{FF2B5EF4-FFF2-40B4-BE49-F238E27FC236}">
+                <a16:creationId xmlns:a16="http://schemas.microsoft.com/office/drawing/2014/main" id="{574094FF-FDD1-10A8-EC02-5138B748A2B9}"/>
+              </a:ext>
+            </a:extLst>
+          </p:cNvPr>
+          <p:cNvSpPr/>
+          <p:nvPr/>
+        </p:nvSpPr>
+        <p:spPr>
+          <a:xfrm>
+            <a:off x="501565" y="875410"/>
+            <a:ext cx="4387964" cy="2414169"/>
+          </a:xfrm>
+          <a:prstGeom prst="rect">
+            <a:avLst/>
+          </a:prstGeom>
+          <a:noFill/>
+        </p:spPr>
+        <p:style>
+          <a:lnRef idx="2">
+            <a:schemeClr val="accent1">
+              <a:shade val="50000"/>
+            </a:schemeClr>
+          </a:lnRef>
+          <a:fillRef idx="1">
+            <a:schemeClr val="accent1"/>
+          </a:fillRef>
+          <a:effectRef idx="0">
+            <a:schemeClr val="accent1"/>
+          </a:effectRef>
+          <a:fontRef idx="minor">
+            <a:schemeClr val="lt1"/>
+          </a:fontRef>
+        </p:style>
+        <p:txBody>
+          <a:bodyPr rtlCol="0" anchor="t"/>
+          <a:lstStyle/>
+          <a:p>
+            <a:pPr algn="ctr"/>
+            <a:r>
+              <a:rPr lang="de-DE" sz="1400" dirty="0" err="1">
+                <a:solidFill>
+                  <a:schemeClr val="tx1"/>
+                </a:solidFill>
+              </a:rPr>
+              <a:t>robotStateMachine</a:t>
+            </a:r>
+            <a:r>
+              <a:rPr lang="de-DE" sz="1400" dirty="0">
+                <a:solidFill>
+                  <a:schemeClr val="tx1"/>
+                </a:solidFill>
+              </a:rPr>
+              <a:t>: </a:t>
+            </a:r>
+            <a:r>
+              <a:rPr lang="de-DE" sz="1400" dirty="0" err="1">
+                <a:solidFill>
+                  <a:schemeClr val="tx1"/>
+                </a:solidFill>
+              </a:rPr>
+              <a:t>RobotStateMachine</a:t>
+            </a:r>
+            <a:endParaRPr lang="de-AT" sz="1400" dirty="0">
+              <a:solidFill>
+                <a:schemeClr val="tx1"/>
+              </a:solidFill>
+            </a:endParaRPr>
+          </a:p>
+        </p:txBody>
+      </p:sp>
+      <p:sp>
+        <p:nvSpPr>
+          <p:cNvPr id="11" name="Rechteck 10">
+            <a:extLst>
+              <a:ext uri="{FF2B5EF4-FFF2-40B4-BE49-F238E27FC236}">
+                <a16:creationId xmlns:a16="http://schemas.microsoft.com/office/drawing/2014/main" id="{C94C3DE4-CB09-E7D9-97C7-084C455B2779}"/>
+              </a:ext>
+            </a:extLst>
+          </p:cNvPr>
+          <p:cNvSpPr/>
+          <p:nvPr/>
+        </p:nvSpPr>
+        <p:spPr>
+          <a:xfrm>
+            <a:off x="501565" y="4418752"/>
+            <a:ext cx="4387964" cy="2424305"/>
+          </a:xfrm>
+          <a:prstGeom prst="rect">
+            <a:avLst/>
+          </a:prstGeom>
+          <a:noFill/>
+        </p:spPr>
+        <p:style>
+          <a:lnRef idx="2">
+            <a:schemeClr val="accent1">
+              <a:shade val="50000"/>
+            </a:schemeClr>
+          </a:lnRef>
+          <a:fillRef idx="1">
+            <a:schemeClr val="accent1"/>
+          </a:fillRef>
+          <a:effectRef idx="0">
+            <a:schemeClr val="accent1"/>
+          </a:effectRef>
+          <a:fontRef idx="minor">
+            <a:schemeClr val="lt1"/>
+          </a:fontRef>
+        </p:style>
+        <p:txBody>
+          <a:bodyPr rtlCol="0" anchor="t"/>
+          <a:lstStyle/>
+          <a:p>
+            <a:pPr algn="ctr"/>
+            <a:r>
+              <a:rPr lang="de-DE" sz="1400" dirty="0" err="1">
+                <a:solidFill>
+                  <a:schemeClr val="tx1"/>
+                </a:solidFill>
+              </a:rPr>
+              <a:t>robotStateMachine</a:t>
+            </a:r>
+            <a:r>
+              <a:rPr lang="de-DE" sz="1400" dirty="0">
+                <a:solidFill>
+                  <a:schemeClr val="tx1"/>
+                </a:solidFill>
+              </a:rPr>
+              <a:t>: </a:t>
+            </a:r>
+            <a:r>
+              <a:rPr lang="de-DE" sz="1400" dirty="0" err="1">
+                <a:solidFill>
+                  <a:schemeClr val="tx1"/>
+                </a:solidFill>
+              </a:rPr>
+              <a:t>RobotStateMachine</a:t>
+            </a:r>
+            <a:endParaRPr lang="de-AT" sz="1400" dirty="0">
+              <a:solidFill>
+                <a:schemeClr val="tx1"/>
+              </a:solidFill>
+            </a:endParaRPr>
+          </a:p>
+        </p:txBody>
+      </p:sp>
+      <p:sp>
+        <p:nvSpPr>
+          <p:cNvPr id="28" name="Rechteck 27">
+            <a:extLst>
+              <a:ext uri="{FF2B5EF4-FFF2-40B4-BE49-F238E27FC236}">
+                <a16:creationId xmlns:a16="http://schemas.microsoft.com/office/drawing/2014/main" id="{04179631-A0D2-F504-ADE4-D42FDA7EF34F}"/>
+              </a:ext>
+            </a:extLst>
+          </p:cNvPr>
+          <p:cNvSpPr/>
+          <p:nvPr/>
+        </p:nvSpPr>
+        <p:spPr>
+          <a:xfrm>
+            <a:off x="6930421" y="4418752"/>
+            <a:ext cx="4387964" cy="2393488"/>
+          </a:xfrm>
+          <a:prstGeom prst="rect">
+            <a:avLst/>
+          </a:prstGeom>
+          <a:noFill/>
+        </p:spPr>
+        <p:style>
+          <a:lnRef idx="2">
+            <a:schemeClr val="accent1">
+              <a:shade val="50000"/>
+            </a:schemeClr>
+          </a:lnRef>
+          <a:fillRef idx="1">
+            <a:schemeClr val="accent1"/>
+          </a:fillRef>
+          <a:effectRef idx="0">
+            <a:schemeClr val="accent1"/>
+          </a:effectRef>
+          <a:fontRef idx="minor">
+            <a:schemeClr val="lt1"/>
+          </a:fontRef>
+        </p:style>
+        <p:txBody>
+          <a:bodyPr rtlCol="0" anchor="t"/>
+          <a:lstStyle/>
+          <a:p>
+            <a:pPr algn="ctr"/>
+            <a:r>
+              <a:rPr lang="de-DE" sz="1400" dirty="0" err="1">
+                <a:solidFill>
+                  <a:schemeClr val="tx1"/>
+                </a:solidFill>
+              </a:rPr>
+              <a:t>robotStateMachine</a:t>
+            </a:r>
+            <a:r>
+              <a:rPr lang="de-DE" sz="1400" dirty="0">
+                <a:solidFill>
+                  <a:schemeClr val="tx1"/>
+                </a:solidFill>
+              </a:rPr>
+              <a:t>: </a:t>
+            </a:r>
+            <a:r>
+              <a:rPr lang="de-DE" sz="1400" dirty="0" err="1">
+                <a:solidFill>
+                  <a:schemeClr val="tx1"/>
+                </a:solidFill>
+              </a:rPr>
+              <a:t>StateMachine</a:t>
+            </a:r>
+            <a:endParaRPr lang="de-AT" sz="1400" dirty="0">
+              <a:solidFill>
+                <a:schemeClr val="tx1"/>
+              </a:solidFill>
+            </a:endParaRPr>
+          </a:p>
+        </p:txBody>
+      </p:sp>
+      <p:sp>
+        <p:nvSpPr>
+          <p:cNvPr id="35" name="Rechteck 34">
+            <a:extLst>
+              <a:ext uri="{FF2B5EF4-FFF2-40B4-BE49-F238E27FC236}">
+                <a16:creationId xmlns:a16="http://schemas.microsoft.com/office/drawing/2014/main" id="{64C3C0DE-36C1-0FCC-FF4C-4F01B55E691D}"/>
+              </a:ext>
+            </a:extLst>
+          </p:cNvPr>
+          <p:cNvSpPr/>
+          <p:nvPr/>
+        </p:nvSpPr>
+        <p:spPr>
+          <a:xfrm>
+            <a:off x="6940641" y="788678"/>
+            <a:ext cx="4387964" cy="2460004"/>
+          </a:xfrm>
+          <a:prstGeom prst="rect">
+            <a:avLst/>
+          </a:prstGeom>
+          <a:noFill/>
+        </p:spPr>
+        <p:style>
+          <a:lnRef idx="2">
+            <a:schemeClr val="accent1">
+              <a:shade val="50000"/>
+            </a:schemeClr>
+          </a:lnRef>
+          <a:fillRef idx="1">
+            <a:schemeClr val="accent1"/>
+          </a:fillRef>
+          <a:effectRef idx="0">
+            <a:schemeClr val="accent1"/>
+          </a:effectRef>
+          <a:fontRef idx="minor">
+            <a:schemeClr val="lt1"/>
+          </a:fontRef>
+        </p:style>
+        <p:txBody>
+          <a:bodyPr rtlCol="0" anchor="t"/>
+          <a:lstStyle/>
+          <a:p>
+            <a:pPr algn="ctr"/>
+            <a:r>
+              <a:rPr lang="de-DE" sz="1400" dirty="0" err="1">
+                <a:solidFill>
+                  <a:schemeClr val="tx1"/>
+                </a:solidFill>
+              </a:rPr>
+              <a:t>robotStateMachine</a:t>
+            </a:r>
+            <a:r>
+              <a:rPr lang="de-DE" sz="1400" dirty="0">
+                <a:solidFill>
+                  <a:schemeClr val="tx1"/>
+                </a:solidFill>
+              </a:rPr>
+              <a:t>: </a:t>
+            </a:r>
+            <a:r>
+              <a:rPr lang="de-DE" sz="1400" dirty="0" err="1">
+                <a:solidFill>
+                  <a:schemeClr val="tx1"/>
+                </a:solidFill>
+              </a:rPr>
+              <a:t>StateMachine</a:t>
+            </a:r>
+            <a:endParaRPr lang="de-AT" sz="1400" dirty="0">
+              <a:solidFill>
+                <a:schemeClr val="tx1"/>
+              </a:solidFill>
+            </a:endParaRPr>
+          </a:p>
+        </p:txBody>
+      </p:sp>
     </p:spTree>
     <p:extLst>
       <p:ext uri="{BB962C8B-B14F-4D97-AF65-F5344CB8AC3E}">
@@ -24652,14 +25329,14 @@
           </p:cNvPr>
           <p:cNvCxnSpPr>
             <a:cxnSpLocks/>
-            <a:stCxn id="9" idx="1"/>
-            <a:endCxn id="7" idx="3"/>
+            <a:stCxn id="7" idx="3"/>
+            <a:endCxn id="9" idx="1"/>
           </p:cNvCxnSpPr>
           <p:nvPr/>
         </p:nvCxnSpPr>
         <p:spPr>
-          <a:xfrm rot="10800000" flipV="1">
-            <a:off x="4652703" y="3425934"/>
+          <a:xfrm flipV="1">
+            <a:off x="4652702" y="3425935"/>
             <a:ext cx="480199" cy="7853"/>
           </a:xfrm>
           <a:prstGeom prst="bentConnector3">
@@ -24910,21 +25587,8 @@
                   <a:schemeClr val="tx1"/>
                 </a:solidFill>
               </a:rPr>
-              <a:t>pg1</a:t>
-            </a:r>
-            <a:r>
-              <a:rPr lang="de-DE" sz="1400">
-                <a:solidFill>
-                  <a:schemeClr val="tx1"/>
-                </a:solidFill>
-              </a:rPr>
-              <a:t>:processing</a:t>
-            </a:r>
-            <a:endParaRPr lang="de-DE" sz="1400" dirty="0">
-              <a:solidFill>
-                <a:schemeClr val="tx1"/>
-              </a:solidFill>
-            </a:endParaRPr>
+              <a:t>pg1:processed</a:t>
+            </a:r>
           </a:p>
         </p:txBody>
       </p:sp>
@@ -25157,21 +25821,8 @@
                   <a:schemeClr val="tx1"/>
                 </a:solidFill>
               </a:rPr>
-              <a:t>pg1</a:t>
-            </a:r>
-            <a:r>
-              <a:rPr lang="de-DE" sz="1400">
-                <a:solidFill>
-                  <a:schemeClr val="tx1"/>
-                </a:solidFill>
-              </a:rPr>
-              <a:t>:processing</a:t>
-            </a:r>
-            <a:endParaRPr lang="de-DE" sz="1400" dirty="0">
-              <a:solidFill>
-                <a:schemeClr val="tx1"/>
-              </a:solidFill>
-            </a:endParaRPr>
+              <a:t>pg1:processing</a:t>
+            </a:r>
           </a:p>
         </p:txBody>
       </p:sp>
@@ -25186,14 +25837,14 @@
           </p:cNvPr>
           <p:cNvCxnSpPr>
             <a:cxnSpLocks/>
-            <a:stCxn id="28" idx="1"/>
-            <a:endCxn id="27" idx="3"/>
+            <a:stCxn id="27" idx="3"/>
+            <a:endCxn id="28" idx="1"/>
           </p:cNvCxnSpPr>
           <p:nvPr/>
         </p:nvCxnSpPr>
         <p:spPr>
-          <a:xfrm rot="10800000" flipV="1">
-            <a:off x="4650217" y="5102334"/>
+          <a:xfrm flipV="1">
+            <a:off x="4650216" y="5102335"/>
             <a:ext cx="480199" cy="7853"/>
           </a:xfrm>
           <a:prstGeom prst="bentConnector3">
@@ -25446,7 +26097,7 @@
                   <a:schemeClr val="tx1"/>
                 </a:solidFill>
               </a:rPr>
-              <a:t>pg1:processing</a:t>
+              <a:t>pg1:processed</a:t>
             </a:r>
           </a:p>
         </p:txBody>
@@ -54470,7 +55121,23 @@
                   <a:schemeClr val="tx1"/>
                 </a:solidFill>
               </a:rPr>
-              <a:t>CD+SM + DT Profile</a:t>
+              <a:t>CD+</a:t>
+            </a:r>
+            <a:r>
+              <a:rPr lang="de-DE" sz="1050" dirty="0">
+                <a:solidFill>
+                  <a:srgbClr val="FF0000"/>
+                </a:solidFill>
+              </a:rPr>
+              <a:t>SM</a:t>
+            </a:r>
+            <a:r>
+              <a:rPr lang="de-DE" sz="1050" dirty="0">
+                <a:solidFill>
+                  <a:schemeClr val="tx1"/>
+                </a:solidFill>
+              </a:rPr>
+              <a:t> + DT Profile</a:t>
             </a:r>
           </a:p>
         </p:txBody>
@@ -54533,18 +55200,13 @@
               </a:spcAft>
             </a:pPr>
             <a:r>
-              <a:rPr lang="de-DE" sz="1050">
+              <a:rPr lang="de-DE" sz="1050" dirty="0">
                 <a:solidFill>
                   <a:schemeClr val="tx1"/>
                 </a:solidFill>
               </a:rPr>
               <a:t>Dashboard</a:t>
             </a:r>
-            <a:endParaRPr lang="de-DE" sz="1050" dirty="0">
-              <a:solidFill>
-                <a:schemeClr val="tx1"/>
-              </a:solidFill>
-            </a:endParaRPr>
           </a:p>
         </p:txBody>
       </p:sp>
@@ -54947,6 +55609,65 @@
             <a:r>
               <a:rPr lang="de-DE" dirty="0"/>
               <a:t>???</a:t>
+            </a:r>
+            <a:endParaRPr lang="de-AT" dirty="0"/>
+          </a:p>
+        </p:txBody>
+      </p:sp>
+      <p:sp>
+        <p:nvSpPr>
+          <p:cNvPr id="8" name="Rechteck 7">
+            <a:extLst>
+              <a:ext uri="{FF2B5EF4-FFF2-40B4-BE49-F238E27FC236}">
+                <a16:creationId xmlns:a16="http://schemas.microsoft.com/office/drawing/2014/main" id="{48C529C9-F23E-D51E-D4D7-3611DAFA207F}"/>
+              </a:ext>
+            </a:extLst>
+          </p:cNvPr>
+          <p:cNvSpPr/>
+          <p:nvPr/>
+        </p:nvSpPr>
+        <p:spPr>
+          <a:xfrm>
+            <a:off x="6078342" y="2952925"/>
+            <a:ext cx="4538080" cy="1434517"/>
+          </a:xfrm>
+          <a:prstGeom prst="rect">
+            <a:avLst/>
+          </a:prstGeom>
+          <a:solidFill>
+            <a:schemeClr val="accent1">
+              <a:alpha val="32000"/>
+            </a:schemeClr>
+          </a:solidFill>
+        </p:spPr>
+        <p:style>
+          <a:lnRef idx="2">
+            <a:schemeClr val="accent1">
+              <a:shade val="50000"/>
+            </a:schemeClr>
+          </a:lnRef>
+          <a:fillRef idx="1">
+            <a:schemeClr val="accent1"/>
+          </a:fillRef>
+          <a:effectRef idx="0">
+            <a:schemeClr val="accent1"/>
+          </a:effectRef>
+          <a:fontRef idx="minor">
+            <a:schemeClr val="lt1"/>
+          </a:fontRef>
+        </p:style>
+        <p:txBody>
+          <a:bodyPr rtlCol="0" anchor="ctr"/>
+          <a:lstStyle/>
+          <a:p>
+            <a:pPr algn="ctr"/>
+            <a:r>
+              <a:rPr lang="de-DE" dirty="0"/>
+              <a:t>DT </a:t>
+            </a:r>
+            <a:r>
+              <a:rPr lang="de-DE" dirty="0" err="1"/>
+              <a:t>Platform</a:t>
             </a:r>
             <a:endParaRPr lang="de-AT" dirty="0"/>
           </a:p>
@@ -55414,14 +56135,14 @@
             <p:ph idx="1"/>
             <p:extLst>
               <p:ext uri="{D42A27DB-BD31-4B8C-83A1-F6EECF244321}">
-                <p14:modId xmlns:p14="http://schemas.microsoft.com/office/powerpoint/2010/main" val="4187922146"/>
+                <p14:modId xmlns:p14="http://schemas.microsoft.com/office/powerpoint/2010/main" val="347471015"/>
               </p:ext>
             </p:extLst>
           </p:nvPr>
         </p:nvGraphicFramePr>
         <p:xfrm>
-          <a:off x="838200" y="1825625"/>
-          <a:ext cx="10515597" cy="1752600"/>
+          <a:off x="1912690" y="1825625"/>
+          <a:ext cx="9441107" cy="1752600"/>
         </p:xfrm>
         <a:graphic>
           <a:graphicData uri="http://schemas.openxmlformats.org/drawingml/2006/table">
@@ -55430,7 +56151,7 @@
                 <a:tableStyleId>{5C22544A-7EE6-4342-B048-85BDC9FD1C3A}</a:tableStyleId>
               </a:tblPr>
               <a:tblGrid>
-                <a:gridCol w="3505199">
+                <a:gridCol w="2430709">
                   <a:extLst>
                     <a:ext uri="{9D8B030D-6E8A-4147-A177-3AD203B41FA5}">
                       <a16:colId xmlns:a16="http://schemas.microsoft.com/office/drawing/2014/main" val="3892452074"/>
@@ -55621,7 +56342,7 @@
                     <a:bodyPr/>
                     <a:lstStyle/>
                     <a:p>
-                      <a:endParaRPr lang="de-AT"/>
+                      <a:endParaRPr lang="de-AT" dirty="0"/>
                     </a:p>
                   </a:txBody>
                   <a:tcPr/>
@@ -55778,7 +56499,7 @@
         <p:spPr>
           <a:xfrm>
             <a:off x="105684" y="3212351"/>
-            <a:ext cx="2043042" cy="369332"/>
+            <a:ext cx="2043042" cy="646331"/>
           </a:xfrm>
           <a:prstGeom prst="rect">
             <a:avLst/>
@@ -55792,8 +56513,12 @@
           <a:lstStyle/>
           <a:p>
             <a:r>
-              <a:rPr lang="de-DE" dirty="0"/>
-              <a:t>Design Model (DM)</a:t>
+              <a:rPr lang="de-DE"/>
+              <a:t>Domain </a:t>
+            </a:r>
+            <a:r>
+              <a:rPr lang="de-DE" dirty="0"/>
+              <a:t>Model (DM)</a:t>
             </a:r>
           </a:p>
         </p:txBody>
@@ -57153,7 +57878,7 @@
           <a:p>
             <a:pPr algn="ctr"/>
             <a:r>
-              <a:rPr lang="de-DE" sz="1400">
+              <a:rPr lang="de-DE" sz="1400" dirty="0" err="1">
                 <a:solidFill>
                   <a:schemeClr val="tx1"/>
                 </a:solidFill>
@@ -57347,7 +58072,7 @@
           <a:p>
             <a:pPr algn="ctr"/>
             <a:r>
-              <a:rPr lang="de-DE" sz="1400">
+              <a:rPr lang="de-DE" sz="1400" dirty="0" err="1">
                 <a:solidFill>
                   <a:schemeClr val="tx1"/>
                 </a:solidFill>
@@ -57570,7 +58295,7 @@
         </p:nvSpPr>
         <p:spPr>
           <a:xfrm>
-            <a:off x="4948289" y="3508027"/>
+            <a:off x="6040217" y="3518217"/>
             <a:ext cx="134784" cy="118547"/>
           </a:xfrm>
           <a:prstGeom prst="triangle">
@@ -57612,14 +58337,14 @@
           <p:cNvCxnSpPr>
             <a:cxnSpLocks/>
             <a:stCxn id="70" idx="3"/>
-            <a:endCxn id="40" idx="0"/>
+            <a:endCxn id="43" idx="0"/>
           </p:cNvCxnSpPr>
           <p:nvPr/>
         </p:nvCxnSpPr>
         <p:spPr>
-          <a:xfrm>
-            <a:off x="5015681" y="3626574"/>
-            <a:ext cx="7106" cy="196321"/>
+          <a:xfrm flipH="1">
+            <a:off x="6097180" y="3636764"/>
+            <a:ext cx="10429" cy="190148"/>
           </a:xfrm>
           <a:prstGeom prst="line">
             <a:avLst/>
@@ -57765,49 +58490,6 @@
           </a:fillRef>
           <a:effectRef idx="0">
             <a:schemeClr val="dk1"/>
-          </a:effectRef>
-          <a:fontRef idx="minor">
-            <a:schemeClr val="tx1"/>
-          </a:fontRef>
-        </p:style>
-      </p:cxnSp>
-      <p:cxnSp>
-        <p:nvCxnSpPr>
-          <p:cNvPr id="78" name="Verbinder: gewinkelt 77">
-            <a:extLst>
-              <a:ext uri="{FF2B5EF4-FFF2-40B4-BE49-F238E27FC236}">
-                <a16:creationId xmlns:a16="http://schemas.microsoft.com/office/drawing/2014/main" id="{BDB26176-CCE7-4FCE-F95A-BAC0D306A008}"/>
-              </a:ext>
-            </a:extLst>
-          </p:cNvPr>
-          <p:cNvCxnSpPr>
-            <a:cxnSpLocks/>
-            <a:stCxn id="43" idx="0"/>
-            <a:endCxn id="41" idx="2"/>
-          </p:cNvCxnSpPr>
-          <p:nvPr/>
-        </p:nvCxnSpPr>
-        <p:spPr>
-          <a:xfrm rot="5400000" flipH="1" flipV="1">
-            <a:off x="5942850" y="3668532"/>
-            <a:ext cx="312711" cy="4051"/>
-          </a:xfrm>
-          <a:prstGeom prst="bentConnector3">
-            <a:avLst/>
-          </a:prstGeom>
-          <a:ln>
-            <a:tailEnd type="triangle"/>
-          </a:ln>
-        </p:spPr>
-        <p:style>
-          <a:lnRef idx="1">
-            <a:schemeClr val="accent1"/>
-          </a:lnRef>
-          <a:fillRef idx="0">
-            <a:schemeClr val="accent1"/>
-          </a:fillRef>
-          <a:effectRef idx="0">
-            <a:schemeClr val="accent1"/>
           </a:effectRef>
           <a:fontRef idx="minor">
             <a:schemeClr val="tx1"/>
@@ -58206,7 +58888,7 @@
           <a:p>
             <a:pPr algn="ctr"/>
             <a:r>
-              <a:rPr lang="de-DE" sz="1400">
+              <a:rPr lang="de-DE" sz="1400" dirty="0" err="1">
                 <a:solidFill>
                   <a:schemeClr val="tx1"/>
                 </a:solidFill>
@@ -59521,6 +60203,90 @@
           <a:xfrm>
             <a:off x="105684" y="2130375"/>
             <a:ext cx="12000591" cy="0"/>
+          </a:xfrm>
+          <a:prstGeom prst="line">
+            <a:avLst/>
+          </a:prstGeom>
+        </p:spPr>
+        <p:style>
+          <a:lnRef idx="1">
+            <a:schemeClr val="accent1"/>
+          </a:lnRef>
+          <a:fillRef idx="0">
+            <a:schemeClr val="accent1"/>
+          </a:fillRef>
+          <a:effectRef idx="0">
+            <a:schemeClr val="accent1"/>
+          </a:effectRef>
+          <a:fontRef idx="minor">
+            <a:schemeClr val="tx1"/>
+          </a:fontRef>
+        </p:style>
+      </p:cxnSp>
+      <p:sp>
+        <p:nvSpPr>
+          <p:cNvPr id="27" name="Gleichschenkliges Dreieck 26">
+            <a:extLst>
+              <a:ext uri="{FF2B5EF4-FFF2-40B4-BE49-F238E27FC236}">
+                <a16:creationId xmlns:a16="http://schemas.microsoft.com/office/drawing/2014/main" id="{248A197F-2CA0-9646-5B96-41DDB51F1F79}"/>
+              </a:ext>
+            </a:extLst>
+          </p:cNvPr>
+          <p:cNvSpPr/>
+          <p:nvPr/>
+        </p:nvSpPr>
+        <p:spPr>
+          <a:xfrm>
+            <a:off x="4936349" y="3513921"/>
+            <a:ext cx="134784" cy="118547"/>
+          </a:xfrm>
+          <a:prstGeom prst="triangle">
+            <a:avLst/>
+          </a:prstGeom>
+        </p:spPr>
+        <p:style>
+          <a:lnRef idx="2">
+            <a:schemeClr val="accent1"/>
+          </a:lnRef>
+          <a:fillRef idx="1">
+            <a:schemeClr val="lt1"/>
+          </a:fillRef>
+          <a:effectRef idx="0">
+            <a:schemeClr val="accent1"/>
+          </a:effectRef>
+          <a:fontRef idx="minor">
+            <a:schemeClr val="dk1"/>
+          </a:fontRef>
+        </p:style>
+        <p:txBody>
+          <a:bodyPr rtlCol="0" anchor="ctr"/>
+          <a:lstStyle/>
+          <a:p>
+            <a:pPr algn="ctr"/>
+            <a:endParaRPr lang="de-DE"/>
+          </a:p>
+        </p:txBody>
+      </p:sp>
+      <p:cxnSp>
+        <p:nvCxnSpPr>
+          <p:cNvPr id="29" name="Gerader Verbinder 28">
+            <a:extLst>
+              <a:ext uri="{FF2B5EF4-FFF2-40B4-BE49-F238E27FC236}">
+                <a16:creationId xmlns:a16="http://schemas.microsoft.com/office/drawing/2014/main" id="{84E14169-0E1B-49F5-C538-D0004B90F2C8}"/>
+              </a:ext>
+            </a:extLst>
+          </p:cNvPr>
+          <p:cNvCxnSpPr>
+            <a:cxnSpLocks/>
+            <a:stCxn id="27" idx="3"/>
+            <a:endCxn id="40" idx="0"/>
+          </p:cNvCxnSpPr>
+          <p:nvPr/>
+        </p:nvCxnSpPr>
+        <p:spPr>
+          <a:xfrm>
+            <a:off x="5003741" y="3632468"/>
+            <a:ext cx="19046" cy="190427"/>
           </a:xfrm>
           <a:prstGeom prst="line">
             <a:avLst/>
@@ -60431,18 +61197,13 @@
           <a:p>
             <a:pPr algn="ctr"/>
             <a:r>
-              <a:rPr lang="de-DE" sz="1400">
+              <a:rPr lang="de-DE" sz="1400" dirty="0">
                 <a:solidFill>
                   <a:schemeClr val="tx1"/>
                 </a:solidFill>
               </a:rPr>
               <a:t>Snapshot</a:t>
             </a:r>
-            <a:endParaRPr lang="de-DE" sz="1400" dirty="0">
-              <a:solidFill>
-                <a:schemeClr val="tx1"/>
-              </a:solidFill>
-            </a:endParaRPr>
           </a:p>
         </p:txBody>
       </p:sp>

--- a/figures/2022_AT_Figures.pptx
+++ b/figures/2022_AT_Figures.pptx
@@ -224,7 +224,7 @@
           <a:p>
             <a:fld id="{CC3D3CD3-6C8E-47E5-B5EF-FD8131099BED}" type="datetimeFigureOut">
               <a:rPr lang="de-AT" smtClean="0"/>
-              <a:t>07.10.2022</a:t>
+              <a:t>09.10.2022</a:t>
             </a:fld>
             <a:endParaRPr lang="de-AT"/>
           </a:p>
@@ -6422,7 +6422,7 @@
           <a:p>
             <a:fld id="{C5508E98-C065-499C-801C-52E725986CCF}" type="datetimeFigureOut">
               <a:rPr lang="de-DE" smtClean="0"/>
-              <a:t>07.10.2022</a:t>
+              <a:t>09.10.2022</a:t>
             </a:fld>
             <a:endParaRPr lang="de-DE"/>
           </a:p>
@@ -6620,7 +6620,7 @@
           <a:p>
             <a:fld id="{C5508E98-C065-499C-801C-52E725986CCF}" type="datetimeFigureOut">
               <a:rPr lang="de-DE" smtClean="0"/>
-              <a:t>07.10.2022</a:t>
+              <a:t>09.10.2022</a:t>
             </a:fld>
             <a:endParaRPr lang="de-DE"/>
           </a:p>
@@ -6828,7 +6828,7 @@
           <a:p>
             <a:fld id="{C5508E98-C065-499C-801C-52E725986CCF}" type="datetimeFigureOut">
               <a:rPr lang="de-DE" smtClean="0"/>
-              <a:t>07.10.2022</a:t>
+              <a:t>09.10.2022</a:t>
             </a:fld>
             <a:endParaRPr lang="de-DE"/>
           </a:p>
@@ -7026,7 +7026,7 @@
           <a:p>
             <a:fld id="{C5508E98-C065-499C-801C-52E725986CCF}" type="datetimeFigureOut">
               <a:rPr lang="de-DE" smtClean="0"/>
-              <a:t>07.10.2022</a:t>
+              <a:t>09.10.2022</a:t>
             </a:fld>
             <a:endParaRPr lang="de-DE"/>
           </a:p>
@@ -7301,7 +7301,7 @@
           <a:p>
             <a:fld id="{C5508E98-C065-499C-801C-52E725986CCF}" type="datetimeFigureOut">
               <a:rPr lang="de-DE" smtClean="0"/>
-              <a:t>07.10.2022</a:t>
+              <a:t>09.10.2022</a:t>
             </a:fld>
             <a:endParaRPr lang="de-DE"/>
           </a:p>
@@ -7566,7 +7566,7 @@
           <a:p>
             <a:fld id="{C5508E98-C065-499C-801C-52E725986CCF}" type="datetimeFigureOut">
               <a:rPr lang="de-DE" smtClean="0"/>
-              <a:t>07.10.2022</a:t>
+              <a:t>09.10.2022</a:t>
             </a:fld>
             <a:endParaRPr lang="de-DE"/>
           </a:p>
@@ -7978,7 +7978,7 @@
           <a:p>
             <a:fld id="{C5508E98-C065-499C-801C-52E725986CCF}" type="datetimeFigureOut">
               <a:rPr lang="de-DE" smtClean="0"/>
-              <a:t>07.10.2022</a:t>
+              <a:t>09.10.2022</a:t>
             </a:fld>
             <a:endParaRPr lang="de-DE"/>
           </a:p>
@@ -8119,7 +8119,7 @@
           <a:p>
             <a:fld id="{C5508E98-C065-499C-801C-52E725986CCF}" type="datetimeFigureOut">
               <a:rPr lang="de-DE" smtClean="0"/>
-              <a:t>07.10.2022</a:t>
+              <a:t>09.10.2022</a:t>
             </a:fld>
             <a:endParaRPr lang="de-DE"/>
           </a:p>
@@ -8232,7 +8232,7 @@
           <a:p>
             <a:fld id="{C5508E98-C065-499C-801C-52E725986CCF}" type="datetimeFigureOut">
               <a:rPr lang="de-DE" smtClean="0"/>
-              <a:t>07.10.2022</a:t>
+              <a:t>09.10.2022</a:t>
             </a:fld>
             <a:endParaRPr lang="de-DE"/>
           </a:p>
@@ -8543,7 +8543,7 @@
           <a:p>
             <a:fld id="{C5508E98-C065-499C-801C-52E725986CCF}" type="datetimeFigureOut">
               <a:rPr lang="de-DE" smtClean="0"/>
-              <a:t>07.10.2022</a:t>
+              <a:t>09.10.2022</a:t>
             </a:fld>
             <a:endParaRPr lang="de-DE"/>
           </a:p>
@@ -8831,7 +8831,7 @@
           <a:p>
             <a:fld id="{C5508E98-C065-499C-801C-52E725986CCF}" type="datetimeFigureOut">
               <a:rPr lang="de-DE" smtClean="0"/>
-              <a:t>07.10.2022</a:t>
+              <a:t>09.10.2022</a:t>
             </a:fld>
             <a:endParaRPr lang="de-DE"/>
           </a:p>
@@ -9072,7 +9072,7 @@
           <a:p>
             <a:fld id="{C5508E98-C065-499C-801C-52E725986CCF}" type="datetimeFigureOut">
               <a:rPr lang="de-DE" smtClean="0"/>
-              <a:t>07.10.2022</a:t>
+              <a:t>09.10.2022</a:t>
             </a:fld>
             <a:endParaRPr lang="de-DE"/>
           </a:p>
@@ -10199,45 +10199,6 @@
           </a:p>
         </p:txBody>
       </p:sp>
-      <p:sp>
-        <p:nvSpPr>
-          <p:cNvPr id="5" name="Textfeld 4">
-            <a:extLst>
-              <a:ext uri="{FF2B5EF4-FFF2-40B4-BE49-F238E27FC236}">
-                <a16:creationId xmlns:a16="http://schemas.microsoft.com/office/drawing/2014/main" id="{4B86FF98-23BF-6D25-EF03-349B33D9E010}"/>
-              </a:ext>
-            </a:extLst>
-          </p:cNvPr>
-          <p:cNvSpPr txBox="1"/>
-          <p:nvPr/>
-        </p:nvSpPr>
-        <p:spPr>
-          <a:xfrm>
-            <a:off x="257038" y="1330300"/>
-            <a:ext cx="890730" cy="369332"/>
-          </a:xfrm>
-          <a:prstGeom prst="rect">
-            <a:avLst/>
-          </a:prstGeom>
-          <a:noFill/>
-        </p:spPr>
-        <p:txBody>
-          <a:bodyPr wrap="square" rtlCol="0">
-            <a:spAutoFit/>
-          </a:bodyPr>
-          <a:lstStyle/>
-          <a:p>
-            <a:r>
-              <a:rPr lang="de-DE" dirty="0">
-                <a:highlight>
-                  <a:srgbClr val="FFFF00"/>
-                </a:highlight>
-              </a:rPr>
-              <a:t>Model</a:t>
-            </a:r>
-          </a:p>
-        </p:txBody>
-      </p:sp>
       <p:cxnSp>
         <p:nvCxnSpPr>
           <p:cNvPr id="52" name="Verbinder: gewinkelt 51">
@@ -11276,45 +11237,6 @@
           </a:fontRef>
         </p:style>
       </p:cxnSp>
-      <p:sp>
-        <p:nvSpPr>
-          <p:cNvPr id="24" name="Textfeld 23">
-            <a:extLst>
-              <a:ext uri="{FF2B5EF4-FFF2-40B4-BE49-F238E27FC236}">
-                <a16:creationId xmlns:a16="http://schemas.microsoft.com/office/drawing/2014/main" id="{6901F4A1-587F-6D97-1B03-BA1041ADB708}"/>
-              </a:ext>
-            </a:extLst>
-          </p:cNvPr>
-          <p:cNvSpPr txBox="1"/>
-          <p:nvPr/>
-        </p:nvSpPr>
-        <p:spPr>
-          <a:xfrm>
-            <a:off x="0" y="3445789"/>
-            <a:ext cx="1191941" cy="369332"/>
-          </a:xfrm>
-          <a:prstGeom prst="rect">
-            <a:avLst/>
-          </a:prstGeom>
-          <a:noFill/>
-        </p:spPr>
-        <p:txBody>
-          <a:bodyPr wrap="square" rtlCol="0">
-            <a:spAutoFit/>
-          </a:bodyPr>
-          <a:lstStyle/>
-          <a:p>
-            <a:r>
-              <a:rPr lang="de-DE" dirty="0">
-                <a:highlight>
-                  <a:srgbClr val="FFFF00"/>
-                </a:highlight>
-              </a:rPr>
-              <a:t>Instance</a:t>
-            </a:r>
-          </a:p>
-        </p:txBody>
-      </p:sp>
       <p:sp>
         <p:nvSpPr>
           <p:cNvPr id="30" name="Rechteck 29">
@@ -25142,7 +25064,7 @@
         </p:nvSpPr>
         <p:spPr>
           <a:xfrm>
-            <a:off x="1696879" y="3249122"/>
+            <a:off x="2074123" y="3242320"/>
             <a:ext cx="1237812" cy="369332"/>
           </a:xfrm>
           <a:prstGeom prst="rect">
@@ -25181,7 +25103,7 @@
           <a:p>
             <a:pPr algn="ctr"/>
             <a:r>
-              <a:rPr lang="de-DE" sz="1400" dirty="0">
+              <a:rPr lang="de-DE" dirty="0">
                 <a:solidFill>
                   <a:schemeClr val="tx1"/>
                 </a:solidFill>
@@ -25205,7 +25127,7 @@
         </p:nvSpPr>
         <p:spPr>
           <a:xfrm>
-            <a:off x="3414890" y="3249122"/>
+            <a:off x="3628250" y="3240733"/>
             <a:ext cx="1237812" cy="369332"/>
           </a:xfrm>
           <a:prstGeom prst="rect">
@@ -25244,7 +25166,7 @@
           <a:p>
             <a:pPr algn="ctr"/>
             <a:r>
-              <a:rPr lang="de-DE" sz="1400" dirty="0">
+              <a:rPr lang="de-DE" dirty="0">
                 <a:solidFill>
                   <a:schemeClr val="tx1"/>
                 </a:solidFill>
@@ -25308,7 +25230,7 @@
           <a:p>
             <a:pPr algn="ctr"/>
             <a:r>
-              <a:rPr lang="de-DE" sz="1400" dirty="0">
+              <a:rPr lang="de-DE" dirty="0">
                 <a:solidFill>
                   <a:schemeClr val="tx1"/>
                 </a:solidFill>
@@ -25335,9 +25257,9 @@
           <p:nvPr/>
         </p:nvCxnSpPr>
         <p:spPr>
-          <a:xfrm flipV="1">
-            <a:off x="4652702" y="3425935"/>
-            <a:ext cx="480199" cy="7853"/>
+          <a:xfrm>
+            <a:off x="4866062" y="3425399"/>
+            <a:ext cx="266839" cy="536"/>
           </a:xfrm>
           <a:prstGeom prst="bentConnector3">
             <a:avLst>
@@ -25378,7 +25300,7 @@
         <p:spPr>
           <a:xfrm>
             <a:off x="7531306" y="3549361"/>
-            <a:ext cx="1718011" cy="437627"/>
+            <a:ext cx="2015366" cy="437627"/>
           </a:xfrm>
           <a:prstGeom prst="roundRect">
             <a:avLst/>
@@ -25416,7 +25338,7 @@
           <a:p>
             <a:pPr algn="ctr"/>
             <a:r>
-              <a:rPr lang="de-DE" sz="1400" dirty="0">
+              <a:rPr lang="de-DE" dirty="0">
                 <a:solidFill>
                   <a:schemeClr val="tx1"/>
                 </a:solidFill>
@@ -25424,14 +25346,14 @@
               <a:t>t1: </a:t>
             </a:r>
             <a:r>
-              <a:rPr lang="de-DE" sz="1400" dirty="0" err="1">
+              <a:rPr lang="de-DE" dirty="0" err="1">
                 <a:solidFill>
                   <a:schemeClr val="tx1"/>
                 </a:solidFill>
               </a:rPr>
               <a:t>processingFinished</a:t>
             </a:r>
-            <a:endParaRPr lang="de-DE" sz="1400" dirty="0">
+            <a:endParaRPr lang="de-DE" dirty="0">
               <a:solidFill>
                 <a:schemeClr val="tx1"/>
               </a:solidFill>
@@ -25501,9 +25423,9 @@
           <p:nvPr/>
         </p:nvCxnSpPr>
         <p:spPr>
-          <a:xfrm>
-            <a:off x="2934691" y="3433788"/>
-            <a:ext cx="480199" cy="12700"/>
+          <a:xfrm flipV="1">
+            <a:off x="3311935" y="3425399"/>
+            <a:ext cx="316315" cy="1587"/>
           </a:xfrm>
           <a:prstGeom prst="bentConnector3">
             <a:avLst>
@@ -25582,7 +25504,7 @@
           <a:p>
             <a:pPr algn="ctr"/>
             <a:r>
-              <a:rPr lang="de-DE" sz="1400" dirty="0">
+              <a:rPr lang="de-DE" dirty="0">
                 <a:solidFill>
                   <a:schemeClr val="tx1"/>
                 </a:solidFill>
@@ -25651,7 +25573,7 @@
         </p:nvSpPr>
         <p:spPr>
           <a:xfrm>
-            <a:off x="1694393" y="4925522"/>
+            <a:off x="2067773" y="4928697"/>
             <a:ext cx="1237812" cy="369332"/>
           </a:xfrm>
           <a:prstGeom prst="rect">
@@ -25690,7 +25612,7 @@
           <a:p>
             <a:pPr algn="ctr"/>
             <a:r>
-              <a:rPr lang="de-DE" sz="1400" dirty="0">
+              <a:rPr lang="de-DE" dirty="0">
                 <a:solidFill>
                   <a:schemeClr val="tx1"/>
                 </a:solidFill>
@@ -25714,7 +25636,7 @@
         </p:nvSpPr>
         <p:spPr>
           <a:xfrm>
-            <a:off x="3412404" y="4925522"/>
+            <a:off x="3625764" y="4925522"/>
             <a:ext cx="1237812" cy="369332"/>
           </a:xfrm>
           <a:prstGeom prst="rect">
@@ -25753,7 +25675,7 @@
           <a:p>
             <a:pPr algn="ctr"/>
             <a:r>
-              <a:rPr lang="de-DE" sz="1400" dirty="0">
+              <a:rPr lang="de-DE" dirty="0">
                 <a:solidFill>
                   <a:schemeClr val="tx1"/>
                 </a:solidFill>
@@ -25777,7 +25699,7 @@
         </p:nvSpPr>
         <p:spPr>
           <a:xfrm>
-            <a:off x="5130415" y="4917669"/>
+            <a:off x="5144702" y="4927194"/>
             <a:ext cx="1604234" cy="369332"/>
           </a:xfrm>
           <a:prstGeom prst="rect">
@@ -25816,7 +25738,7 @@
           <a:p>
             <a:pPr algn="ctr"/>
             <a:r>
-              <a:rPr lang="de-DE" sz="1400" dirty="0">
+              <a:rPr lang="de-DE" dirty="0">
                 <a:solidFill>
                   <a:schemeClr val="tx1"/>
                 </a:solidFill>
@@ -25843,9 +25765,9 @@
           <p:nvPr/>
         </p:nvCxnSpPr>
         <p:spPr>
-          <a:xfrm flipV="1">
-            <a:off x="4650216" y="5102335"/>
-            <a:ext cx="480199" cy="7853"/>
+          <a:xfrm>
+            <a:off x="4863576" y="5110188"/>
+            <a:ext cx="281126" cy="1672"/>
           </a:xfrm>
           <a:prstGeom prst="bentConnector3">
             <a:avLst>
@@ -25886,7 +25808,7 @@
         <p:spPr>
           <a:xfrm>
             <a:off x="7528820" y="5225761"/>
-            <a:ext cx="1718011" cy="437627"/>
+            <a:ext cx="2017852" cy="437627"/>
           </a:xfrm>
           <a:prstGeom prst="roundRect">
             <a:avLst/>
@@ -25925,7 +25847,7 @@
           <a:p>
             <a:pPr algn="ctr"/>
             <a:r>
-              <a:rPr lang="de-DE" sz="1400" dirty="0">
+              <a:rPr lang="de-DE" dirty="0">
                 <a:solidFill>
                   <a:schemeClr val="tx1"/>
                 </a:solidFill>
@@ -25933,14 +25855,14 @@
               <a:t>t1: </a:t>
             </a:r>
             <a:r>
-              <a:rPr lang="de-DE" sz="1400" dirty="0" err="1">
+              <a:rPr lang="de-DE" dirty="0" err="1">
                 <a:solidFill>
                   <a:schemeClr val="tx1"/>
                 </a:solidFill>
               </a:rPr>
               <a:t>processingFinished</a:t>
             </a:r>
-            <a:endParaRPr lang="de-DE" sz="1400" dirty="0">
+            <a:endParaRPr lang="de-DE" dirty="0">
               <a:solidFill>
                 <a:schemeClr val="tx1"/>
               </a:solidFill>
@@ -25966,8 +25888,8 @@
         </p:nvCxnSpPr>
         <p:spPr>
           <a:xfrm rot="10800000">
-            <a:off x="6734650" y="5102335"/>
-            <a:ext cx="794171" cy="342240"/>
+            <a:off x="6748936" y="5111861"/>
+            <a:ext cx="779884" cy="332715"/>
           </a:xfrm>
           <a:prstGeom prst="bentConnector3">
             <a:avLst>
@@ -26010,9 +25932,9 @@
           <p:nvPr/>
         </p:nvCxnSpPr>
         <p:spPr>
-          <a:xfrm>
-            <a:off x="2932205" y="5110188"/>
-            <a:ext cx="480199" cy="12700"/>
+          <a:xfrm flipV="1">
+            <a:off x="3305585" y="5110188"/>
+            <a:ext cx="320179" cy="3175"/>
           </a:xfrm>
           <a:prstGeom prst="bentConnector3">
             <a:avLst>
@@ -26092,7 +26014,7 @@
           <a:p>
             <a:pPr algn="ctr"/>
             <a:r>
-              <a:rPr lang="de-DE" sz="1400" dirty="0">
+              <a:rPr lang="de-DE" dirty="0">
                 <a:solidFill>
                   <a:schemeClr val="tx1"/>
                 </a:solidFill>
@@ -26163,8 +26085,8 @@
         </p:nvCxnSpPr>
         <p:spPr>
           <a:xfrm>
-            <a:off x="285750" y="4543425"/>
-            <a:ext cx="10563225" cy="0"/>
+            <a:off x="1295400" y="4543425"/>
+            <a:ext cx="8251272" cy="0"/>
           </a:xfrm>
           <a:prstGeom prst="line">
             <a:avLst/>
@@ -26199,7 +26121,7 @@
         </p:nvSpPr>
         <p:spPr>
           <a:xfrm>
-            <a:off x="247650" y="3249122"/>
+            <a:off x="1198240" y="3247083"/>
             <a:ext cx="1082806" cy="369332"/>
           </a:xfrm>
           <a:prstGeom prst="rect">
@@ -26235,7 +26157,7 @@
         </p:nvSpPr>
         <p:spPr>
           <a:xfrm>
-            <a:off x="489580" y="5097833"/>
+            <a:off x="1198240" y="5097833"/>
             <a:ext cx="1082806" cy="369332"/>
           </a:xfrm>
           <a:prstGeom prst="rect">
@@ -51889,7 +51811,7 @@
         </p:nvSpPr>
         <p:spPr>
           <a:xfrm>
-            <a:off x="7646352" y="1662783"/>
+            <a:off x="7646352" y="1670403"/>
             <a:ext cx="1296000" cy="369332"/>
           </a:xfrm>
           <a:prstGeom prst="rect">
@@ -52020,9 +51942,9 @@
           <p:nvPr/>
         </p:nvCxnSpPr>
         <p:spPr>
-          <a:xfrm rot="10800000">
-            <a:off x="8942352" y="1847450"/>
-            <a:ext cx="889258" cy="6311"/>
+          <a:xfrm rot="10800000" flipV="1">
+            <a:off x="8942352" y="1853759"/>
+            <a:ext cx="889258" cy="1309"/>
           </a:xfrm>
           <a:prstGeom prst="bentConnector3">
             <a:avLst>
@@ -52064,8 +51986,8 @@
         </p:nvCxnSpPr>
         <p:spPr>
           <a:xfrm>
-            <a:off x="179327" y="1286738"/>
-            <a:ext cx="8508470" cy="0"/>
+            <a:off x="1867829" y="1134338"/>
+            <a:ext cx="9581221" cy="0"/>
           </a:xfrm>
           <a:prstGeom prst="line">
             <a:avLst/>
@@ -52073,13 +51995,13 @@
         </p:spPr>
         <p:style>
           <a:lnRef idx="1">
-            <a:schemeClr val="dk1"/>
+            <a:schemeClr val="accent1"/>
           </a:lnRef>
           <a:fillRef idx="0">
-            <a:schemeClr val="dk1"/>
-          </a:fillRef>
-          <a:effectRef idx="0">
-            <a:schemeClr val="dk1"/>
+            <a:schemeClr val="accent1"/>
+          </a:fillRef>
+          <a:effectRef idx="0">
+            <a:schemeClr val="accent1"/>
           </a:effectRef>
           <a:fontRef idx="minor">
             <a:schemeClr val="tx1"/>
@@ -52102,8 +52024,8 @@
         </p:nvCxnSpPr>
         <p:spPr>
           <a:xfrm>
-            <a:off x="318731" y="3099147"/>
-            <a:ext cx="11130319" cy="0"/>
+            <a:off x="1867829" y="3099147"/>
+            <a:ext cx="9581221" cy="0"/>
           </a:xfrm>
           <a:prstGeom prst="line">
             <a:avLst/>
@@ -52111,13 +52033,13 @@
         </p:spPr>
         <p:style>
           <a:lnRef idx="1">
-            <a:schemeClr val="dk1"/>
+            <a:schemeClr val="accent1"/>
           </a:lnRef>
           <a:fillRef idx="0">
-            <a:schemeClr val="dk1"/>
-          </a:fillRef>
-          <a:effectRef idx="0">
-            <a:schemeClr val="dk1"/>
+            <a:schemeClr val="accent1"/>
+          </a:fillRef>
+          <a:effectRef idx="0">
+            <a:schemeClr val="accent1"/>
           </a:effectRef>
           <a:fontRef idx="minor">
             <a:schemeClr val="tx1"/>
@@ -52240,7 +52162,7 @@
         </p:nvSpPr>
         <p:spPr>
           <a:xfrm>
-            <a:off x="7646353" y="2026996"/>
+            <a:off x="7646353" y="2034616"/>
             <a:ext cx="1296000" cy="631648"/>
           </a:xfrm>
           <a:prstGeom prst="rect">
@@ -52361,45 +52283,6 @@
       </p:sp>
       <p:sp>
         <p:nvSpPr>
-          <p:cNvPr id="106" name="Textfeld 105">
-            <a:extLst>
-              <a:ext uri="{FF2B5EF4-FFF2-40B4-BE49-F238E27FC236}">
-                <a16:creationId xmlns:a16="http://schemas.microsoft.com/office/drawing/2014/main" id="{719723A5-236A-0F67-DE5B-226017C6EF87}"/>
-              </a:ext>
-            </a:extLst>
-          </p:cNvPr>
-          <p:cNvSpPr txBox="1"/>
-          <p:nvPr/>
-        </p:nvSpPr>
-        <p:spPr>
-          <a:xfrm>
-            <a:off x="399117" y="2219811"/>
-            <a:ext cx="1424267" cy="369332"/>
-          </a:xfrm>
-          <a:prstGeom prst="rect">
-            <a:avLst/>
-          </a:prstGeom>
-          <a:noFill/>
-        </p:spPr>
-        <p:txBody>
-          <a:bodyPr wrap="square" rtlCol="0">
-            <a:spAutoFit/>
-          </a:bodyPr>
-          <a:lstStyle/>
-          <a:p>
-            <a:r>
-              <a:rPr lang="de-DE" dirty="0">
-                <a:highlight>
-                  <a:srgbClr val="FFFF00"/>
-                </a:highlight>
-              </a:rPr>
-              <a:t>Metamodel</a:t>
-            </a:r>
-          </a:p>
-        </p:txBody>
-      </p:sp>
-      <p:sp>
-        <p:nvSpPr>
           <p:cNvPr id="16" name="Rechteck 15">
             <a:extLst>
               <a:ext uri="{FF2B5EF4-FFF2-40B4-BE49-F238E27FC236}">
@@ -52412,7 +52295,7 @@
         </p:nvSpPr>
         <p:spPr>
           <a:xfrm>
-            <a:off x="2520617" y="1664900"/>
+            <a:off x="2520617" y="1672520"/>
             <a:ext cx="853075" cy="369332"/>
           </a:xfrm>
           <a:prstGeom prst="rect">
@@ -52461,84 +52344,6 @@
           </a:p>
         </p:txBody>
       </p:sp>
-      <p:sp>
-        <p:nvSpPr>
-          <p:cNvPr id="2" name="Textfeld 1">
-            <a:extLst>
-              <a:ext uri="{FF2B5EF4-FFF2-40B4-BE49-F238E27FC236}">
-                <a16:creationId xmlns:a16="http://schemas.microsoft.com/office/drawing/2014/main" id="{E64745D7-F76A-42AB-D48B-5B0C4E31C081}"/>
-              </a:ext>
-            </a:extLst>
-          </p:cNvPr>
-          <p:cNvSpPr txBox="1"/>
-          <p:nvPr/>
-        </p:nvSpPr>
-        <p:spPr>
-          <a:xfrm>
-            <a:off x="285486" y="537924"/>
-            <a:ext cx="1806607" cy="369332"/>
-          </a:xfrm>
-          <a:prstGeom prst="rect">
-            <a:avLst/>
-          </a:prstGeom>
-          <a:noFill/>
-        </p:spPr>
-        <p:txBody>
-          <a:bodyPr wrap="square" rtlCol="0">
-            <a:spAutoFit/>
-          </a:bodyPr>
-          <a:lstStyle/>
-          <a:p>
-            <a:r>
-              <a:rPr lang="de-DE" dirty="0">
-                <a:highlight>
-                  <a:srgbClr val="FFFF00"/>
-                </a:highlight>
-              </a:rPr>
-              <a:t>Metametamodel</a:t>
-            </a:r>
-          </a:p>
-        </p:txBody>
-      </p:sp>
-      <p:sp>
-        <p:nvSpPr>
-          <p:cNvPr id="5" name="Textfeld 4">
-            <a:extLst>
-              <a:ext uri="{FF2B5EF4-FFF2-40B4-BE49-F238E27FC236}">
-                <a16:creationId xmlns:a16="http://schemas.microsoft.com/office/drawing/2014/main" id="{4B86FF98-23BF-6D25-EF03-349B33D9E010}"/>
-              </a:ext>
-            </a:extLst>
-          </p:cNvPr>
-          <p:cNvSpPr txBox="1"/>
-          <p:nvPr/>
-        </p:nvSpPr>
-        <p:spPr>
-          <a:xfrm>
-            <a:off x="241645" y="3354136"/>
-            <a:ext cx="890730" cy="369332"/>
-          </a:xfrm>
-          <a:prstGeom prst="rect">
-            <a:avLst/>
-          </a:prstGeom>
-          <a:noFill/>
-        </p:spPr>
-        <p:txBody>
-          <a:bodyPr wrap="square" rtlCol="0">
-            <a:spAutoFit/>
-          </a:bodyPr>
-          <a:lstStyle/>
-          <a:p>
-            <a:r>
-              <a:rPr lang="de-DE" dirty="0">
-                <a:highlight>
-                  <a:srgbClr val="FFFF00"/>
-                </a:highlight>
-              </a:rPr>
-              <a:t>Model</a:t>
-            </a:r>
-          </a:p>
-        </p:txBody>
-      </p:sp>
       <p:cxnSp>
         <p:nvCxnSpPr>
           <p:cNvPr id="52" name="Verbinder: gewinkelt 51">
@@ -52557,8 +52362,8 @@
         </p:nvCxnSpPr>
         <p:spPr>
           <a:xfrm rot="10800000" flipV="1">
-            <a:off x="5828914" y="1847449"/>
-            <a:ext cx="1817438" cy="3962"/>
+            <a:off x="5638414" y="1855069"/>
+            <a:ext cx="2007938" cy="3962"/>
           </a:xfrm>
           <a:prstGeom prst="bentConnector3">
             <a:avLst>
@@ -52838,7 +52643,7 @@
         </p:nvSpPr>
         <p:spPr>
           <a:xfrm>
-            <a:off x="9620605" y="3526159"/>
+            <a:off x="9628225" y="3526159"/>
             <a:ext cx="1718011" cy="437627"/>
           </a:xfrm>
           <a:prstGeom prst="roundRect">
@@ -52907,7 +52712,7 @@
         </p:nvSpPr>
         <p:spPr>
           <a:xfrm>
-            <a:off x="7169494" y="3984509"/>
+            <a:off x="7629743" y="3952589"/>
             <a:ext cx="1331651" cy="369332"/>
           </a:xfrm>
           <a:prstGeom prst="rect">
@@ -52980,12 +52785,12 @@
         </p:nvCxnSpPr>
         <p:spPr>
           <a:xfrm rot="10800000">
-            <a:off x="5800202" y="3639895"/>
-            <a:ext cx="1369293" cy="529281"/>
+            <a:off x="5800201" y="3639895"/>
+            <a:ext cx="1829542" cy="497361"/>
           </a:xfrm>
           <a:prstGeom prst="bentConnector3">
             <a:avLst>
-              <a:gd name="adj1" fmla="val 81303"/>
+              <a:gd name="adj1" fmla="val 86235"/>
             </a:avLst>
           </a:prstGeom>
           <a:ln>
@@ -53026,7 +52831,7 @@
         <p:spPr>
           <a:xfrm rot="10800000">
             <a:off x="7653853" y="3384057"/>
-            <a:ext cx="1966753" cy="360916"/>
+            <a:ext cx="1974373" cy="360916"/>
           </a:xfrm>
           <a:prstGeom prst="bentConnector3">
             <a:avLst>
@@ -53070,8 +52875,8 @@
         </p:nvCxnSpPr>
         <p:spPr>
           <a:xfrm rot="10800000" flipV="1">
-            <a:off x="8501145" y="3744973"/>
-            <a:ext cx="1119460" cy="424202"/>
+            <a:off x="8961395" y="3744973"/>
+            <a:ext cx="666831" cy="392282"/>
           </a:xfrm>
           <a:prstGeom prst="bentConnector3">
             <a:avLst>
@@ -53156,7 +52961,7 @@
         </p:nvSpPr>
         <p:spPr>
           <a:xfrm>
-            <a:off x="4532914" y="1666745"/>
+            <a:off x="4342414" y="1674365"/>
             <a:ext cx="1296000" cy="369332"/>
           </a:xfrm>
           <a:prstGeom prst="rect">
@@ -53343,8 +53148,8 @@
         </p:nvCxnSpPr>
         <p:spPr>
           <a:xfrm rot="16200000" flipV="1">
-            <a:off x="6546101" y="-85468"/>
-            <a:ext cx="711525" cy="2784978"/>
+            <a:off x="6542291" y="-81658"/>
+            <a:ext cx="719145" cy="2784978"/>
           </a:xfrm>
           <a:prstGeom prst="bentConnector3">
             <a:avLst/>
@@ -53631,8 +53436,8 @@
         </p:nvCxnSpPr>
         <p:spPr>
           <a:xfrm rot="5400000" flipH="1" flipV="1">
-            <a:off x="3543309" y="355758"/>
-            <a:ext cx="712988" cy="1905297"/>
+            <a:off x="3539499" y="359568"/>
+            <a:ext cx="720608" cy="1905297"/>
           </a:xfrm>
           <a:prstGeom prst="bentConnector3">
             <a:avLst>
@@ -53675,9 +53480,9 @@
           <p:nvPr/>
         </p:nvCxnSpPr>
         <p:spPr>
-          <a:xfrm rot="16200000" flipV="1">
-            <a:off x="4821647" y="1307478"/>
-            <a:ext cx="716141" cy="2394"/>
+          <a:xfrm rot="5400000" flipH="1" flipV="1">
+            <a:off x="4722587" y="1218432"/>
+            <a:ext cx="723761" cy="188106"/>
           </a:xfrm>
           <a:prstGeom prst="bentConnector3">
             <a:avLst>
@@ -53721,8 +53526,8 @@
         </p:nvCxnSpPr>
         <p:spPr>
           <a:xfrm rot="10800000">
-            <a:off x="3373692" y="1849567"/>
-            <a:ext cx="1159222" cy="1845"/>
+            <a:off x="3373692" y="1857187"/>
+            <a:ext cx="968722" cy="1845"/>
           </a:xfrm>
           <a:prstGeom prst="bentConnector3">
             <a:avLst>
@@ -53956,8 +53761,8 @@
         </p:nvCxnSpPr>
         <p:spPr>
           <a:xfrm rot="5400000" flipH="1" flipV="1">
-            <a:off x="4374909" y="2649224"/>
-            <a:ext cx="1419151" cy="192859"/>
+            <a:off x="4283469" y="2748284"/>
+            <a:ext cx="1411531" cy="2359"/>
           </a:xfrm>
           <a:prstGeom prst="bentConnector3">
             <a:avLst>
@@ -54001,8 +53806,8 @@
         </p:nvCxnSpPr>
         <p:spPr>
           <a:xfrm rot="5400000" flipH="1" flipV="1">
-            <a:off x="7370817" y="2275855"/>
-            <a:ext cx="540747" cy="1306326"/>
+            <a:off x="7374627" y="2279665"/>
+            <a:ext cx="533127" cy="1306326"/>
           </a:xfrm>
           <a:prstGeom prst="bentConnector3">
             <a:avLst>
@@ -54045,9 +53850,9 @@
           <p:nvPr/>
         </p:nvCxnSpPr>
         <p:spPr>
-          <a:xfrm rot="5400000" flipH="1" flipV="1">
-            <a:off x="7401904" y="3092061"/>
-            <a:ext cx="1325865" cy="459033"/>
+          <a:xfrm rot="16200000" flipV="1">
+            <a:off x="7651799" y="3308819"/>
+            <a:ext cx="1286325" cy="1216"/>
           </a:xfrm>
           <a:prstGeom prst="bentConnector3">
             <a:avLst>
@@ -54090,9 +53895,9 @@
           <p:nvPr/>
         </p:nvCxnSpPr>
         <p:spPr>
-          <a:xfrm rot="5400000" flipH="1" flipV="1">
-            <a:off x="9959806" y="3006354"/>
-            <a:ext cx="1039611" cy="12700"/>
+          <a:xfrm rot="16200000" flipV="1">
+            <a:off x="9963616" y="3002544"/>
+            <a:ext cx="1039611" cy="7620"/>
           </a:xfrm>
           <a:prstGeom prst="bentConnector3">
             <a:avLst>
@@ -54246,8 +54051,8 @@
         </p:nvSpPr>
         <p:spPr>
           <a:xfrm rot="5400000">
-            <a:off x="5721239" y="-331532"/>
-            <a:ext cx="1767013" cy="8031253"/>
+            <a:off x="5868807" y="-183962"/>
+            <a:ext cx="1767013" cy="7736114"/>
           </a:xfrm>
           <a:prstGeom prst="rect">
             <a:avLst/>
@@ -54291,8 +54096,8 @@
         </p:nvSpPr>
         <p:spPr>
           <a:xfrm rot="5400000">
-            <a:off x="5788971" y="-2537051"/>
-            <a:ext cx="1623651" cy="8031251"/>
+            <a:off x="5863229" y="-2462790"/>
+            <a:ext cx="1770265" cy="7736116"/>
           </a:xfrm>
           <a:prstGeom prst="rect">
             <a:avLst/>
@@ -54336,8 +54141,8 @@
         </p:nvSpPr>
         <p:spPr>
           <a:xfrm rot="16200000">
-            <a:off x="1960694" y="1287280"/>
-            <a:ext cx="1620399" cy="379338"/>
+            <a:off x="2188796" y="1215597"/>
+            <a:ext cx="1770265" cy="379338"/>
           </a:xfrm>
           <a:prstGeom prst="rect">
             <a:avLst/>
@@ -54392,8 +54197,8 @@
         </p:nvSpPr>
         <p:spPr>
           <a:xfrm>
-            <a:off x="3406505" y="1631218"/>
-            <a:ext cx="1452012" cy="592752"/>
+            <a:off x="3352800" y="1631218"/>
+            <a:ext cx="1589537" cy="592752"/>
           </a:xfrm>
           <a:prstGeom prst="rect">
             <a:avLst/>
@@ -54436,7 +54241,7 @@
               </a:spcAft>
             </a:pPr>
             <a:r>
-              <a:rPr lang="de-DE" sz="1050" dirty="0">
+              <a:rPr lang="de-DE" dirty="0">
                 <a:solidFill>
                   <a:schemeClr val="tx1"/>
                 </a:solidFill>
@@ -54460,8 +54265,8 @@
         </p:nvSpPr>
         <p:spPr>
           <a:xfrm>
-            <a:off x="3368973" y="3414643"/>
-            <a:ext cx="1452012" cy="592752"/>
+            <a:off x="3347418" y="3414643"/>
+            <a:ext cx="1612528" cy="592752"/>
           </a:xfrm>
           <a:prstGeom prst="rect">
             <a:avLst/>
@@ -54504,7 +54309,7 @@
               </a:spcAft>
             </a:pPr>
             <a:r>
-              <a:rPr lang="de-DE" sz="1050" dirty="0">
+              <a:rPr lang="de-DE" dirty="0">
                 <a:solidFill>
                   <a:schemeClr val="tx1"/>
                 </a:solidFill>
@@ -54528,7 +54333,7 @@
         </p:nvSpPr>
         <p:spPr>
           <a:xfrm>
-            <a:off x="3971686" y="2325059"/>
+            <a:off x="4055506" y="2325059"/>
             <a:ext cx="353813" cy="974134"/>
           </a:xfrm>
           <a:prstGeom prst="downArrow">
@@ -54702,7 +54507,7 @@
               </a:spcAft>
             </a:pPr>
             <a:r>
-              <a:rPr lang="de-DE" sz="1050" dirty="0">
+              <a:rPr lang="de-DE" dirty="0">
                 <a:solidFill>
                   <a:schemeClr val="tx1"/>
                 </a:solidFill>
@@ -54791,8 +54596,8 @@
         </p:nvSpPr>
         <p:spPr>
           <a:xfrm>
-            <a:off x="7499066" y="1631218"/>
-            <a:ext cx="1507918" cy="592752"/>
+            <a:off x="7499065" y="1631218"/>
+            <a:ext cx="1675413" cy="592752"/>
           </a:xfrm>
           <a:prstGeom prst="rect">
             <a:avLst/>
@@ -54835,7 +54640,7 @@
               </a:spcAft>
             </a:pPr>
             <a:r>
-              <a:rPr lang="de-DE" sz="1050" dirty="0">
+              <a:rPr lang="de-DE" dirty="0">
                 <a:solidFill>
                   <a:schemeClr val="tx1"/>
                 </a:solidFill>
@@ -55054,8 +54859,8 @@
         </p:nvSpPr>
         <p:spPr>
           <a:xfrm>
-            <a:off x="3512189" y="754727"/>
-            <a:ext cx="1240643" cy="546036"/>
+            <a:off x="3352800" y="666749"/>
+            <a:ext cx="1589537" cy="634014"/>
           </a:xfrm>
           <a:prstGeom prst="rect">
             <a:avLst/>
@@ -55098,7 +54903,7 @@
               </a:spcAft>
             </a:pPr>
             <a:r>
-              <a:rPr lang="de-DE" sz="1050" dirty="0">
+              <a:rPr lang="de-DE" sz="1600" dirty="0">
                 <a:solidFill>
                   <a:schemeClr val="tx1"/>
                 </a:solidFill>
@@ -55116,7 +54921,7 @@
               </a:spcAft>
             </a:pPr>
             <a:r>
-              <a:rPr lang="de-DE" sz="1050" dirty="0">
+              <a:rPr lang="de-DE" sz="1600" dirty="0">
                 <a:solidFill>
                   <a:schemeClr val="tx1"/>
                 </a:solidFill>
@@ -55124,7 +54929,7 @@
               <a:t>CD+</a:t>
             </a:r>
             <a:r>
-              <a:rPr lang="de-DE" sz="1050" dirty="0">
+              <a:rPr lang="de-DE" sz="1600" dirty="0">
                 <a:solidFill>
                   <a:srgbClr val="FF0000"/>
                 </a:solidFill>
@@ -55132,12 +54937,30 @@
               <a:t>SM</a:t>
             </a:r>
             <a:r>
-              <a:rPr lang="de-DE" sz="1050" dirty="0">
+              <a:rPr lang="de-DE" sz="1600" dirty="0">
                 <a:solidFill>
                   <a:schemeClr val="tx1"/>
                 </a:solidFill>
               </a:rPr>
-              <a:t> + DT Profile</a:t>
+              <a:t> + </a:t>
+            </a:r>
+          </a:p>
+          <a:p>
+            <a:pPr algn="ctr" eaLnBrk="0" fontAlgn="base" hangingPunct="0">
+              <a:spcBef>
+                <a:spcPct val="0"/>
+              </a:spcBef>
+              <a:spcAft>
+                <a:spcPct val="0"/>
+              </a:spcAft>
+            </a:pPr>
+            <a:r>
+              <a:rPr lang="de-DE" sz="1600" dirty="0">
+                <a:solidFill>
+                  <a:schemeClr val="tx1"/>
+                </a:solidFill>
+              </a:rPr>
+              <a:t>DT Profile</a:t>
             </a:r>
           </a:p>
         </p:txBody>
@@ -55200,7 +55023,7 @@
               </a:spcAft>
             </a:pPr>
             <a:r>
-              <a:rPr lang="de-DE" sz="1050" dirty="0">
+              <a:rPr lang="de-DE" dirty="0">
                 <a:solidFill>
                   <a:schemeClr val="tx1"/>
                 </a:solidFill>
@@ -55354,8 +55177,8 @@
         </p:nvSpPr>
         <p:spPr>
           <a:xfrm>
-            <a:off x="7622747" y="754727"/>
-            <a:ext cx="1240643" cy="546036"/>
+            <a:off x="7499066" y="666749"/>
+            <a:ext cx="1675414" cy="634014"/>
           </a:xfrm>
           <a:prstGeom prst="rect">
             <a:avLst/>
@@ -55398,7 +55221,7 @@
               </a:spcAft>
             </a:pPr>
             <a:r>
-              <a:rPr lang="de-DE" sz="1050" dirty="0">
+              <a:rPr lang="de-DE" sz="1600" dirty="0">
                 <a:solidFill>
                   <a:schemeClr val="tx1"/>
                 </a:solidFill>
@@ -55416,7 +55239,7 @@
               </a:spcAft>
             </a:pPr>
             <a:r>
-              <a:rPr lang="de-DE" sz="1050" dirty="0">
+              <a:rPr lang="de-DE" sz="1600" dirty="0">
                 <a:solidFill>
                   <a:schemeClr val="tx1"/>
                 </a:solidFill>
@@ -55436,6 +55259,7 @@
             </a:extLst>
           </p:cNvPr>
           <p:cNvCxnSpPr>
+            <a:cxnSpLocks/>
             <a:stCxn id="4" idx="0"/>
             <a:endCxn id="25" idx="2"/>
           </p:cNvCxnSpPr>
@@ -55443,7 +55267,7 @@
         </p:nvCxnSpPr>
         <p:spPr>
           <a:xfrm flipV="1">
-            <a:off x="4132511" y="1300763"/>
+            <a:off x="4147569" y="1300763"/>
             <a:ext cx="0" cy="330455"/>
           </a:xfrm>
           <a:prstGeom prst="straightConnector1">
@@ -55485,9 +55309,9 @@
           <p:nvPr/>
         </p:nvCxnSpPr>
         <p:spPr>
-          <a:xfrm flipH="1" flipV="1">
-            <a:off x="8243069" y="1300763"/>
-            <a:ext cx="9956" cy="330455"/>
+          <a:xfrm flipV="1">
+            <a:off x="8336772" y="1300763"/>
+            <a:ext cx="1" cy="330455"/>
           </a:xfrm>
           <a:prstGeom prst="straightConnector1">
             <a:avLst/>
@@ -55525,7 +55349,7 @@
         </p:nvSpPr>
         <p:spPr>
           <a:xfrm rot="16200000">
-            <a:off x="1899236" y="3492800"/>
+            <a:off x="2188796" y="3492800"/>
             <a:ext cx="1770264" cy="379338"/>
           </a:xfrm>
           <a:prstGeom prst="rect">
@@ -55628,17 +55452,23 @@
         </p:nvSpPr>
         <p:spPr>
           <a:xfrm>
-            <a:off x="6078342" y="2952925"/>
+            <a:off x="6042459" y="2955897"/>
             <a:ext cx="4538080" cy="1434517"/>
           </a:xfrm>
           <a:prstGeom prst="rect">
             <a:avLst/>
           </a:prstGeom>
           <a:solidFill>
-            <a:schemeClr val="accent1">
+            <a:schemeClr val="bg1">
+              <a:lumMod val="75000"/>
               <a:alpha val="32000"/>
             </a:schemeClr>
           </a:solidFill>
+          <a:ln>
+            <a:solidFill>
+              <a:schemeClr val="tx1"/>
+            </a:solidFill>
+          </a:ln>
         </p:spPr>
         <p:style>
           <a:lnRef idx="2">
@@ -55657,7 +55487,7 @@
           </a:fontRef>
         </p:style>
         <p:txBody>
-          <a:bodyPr rtlCol="0" anchor="ctr"/>
+          <a:bodyPr rtlCol="0" anchor="b"/>
           <a:lstStyle/>
           <a:p>
             <a:pPr algn="ctr"/>
@@ -56459,8 +56289,8 @@
         </p:nvSpPr>
         <p:spPr>
           <a:xfrm>
-            <a:off x="-5357" y="4477084"/>
-            <a:ext cx="2269917" cy="369332"/>
+            <a:off x="444400" y="4286457"/>
+            <a:ext cx="2269917" cy="646331"/>
           </a:xfrm>
           <a:prstGeom prst="rect">
             <a:avLst/>
@@ -56479,7 +56309,13 @@
             </a:r>
             <a:r>
               <a:rPr lang="de-DE" dirty="0"/>
-              <a:t> Model (RM)</a:t>
+              <a:t> </a:t>
+            </a:r>
+          </a:p>
+          <a:p>
+            <a:r>
+              <a:rPr lang="de-DE" dirty="0"/>
+              <a:t>Model (RM)</a:t>
             </a:r>
           </a:p>
         </p:txBody>
@@ -56498,7 +56334,7 @@
         </p:nvSpPr>
         <p:spPr>
           <a:xfrm>
-            <a:off x="105684" y="3212351"/>
+            <a:off x="427664" y="3229085"/>
             <a:ext cx="2043042" cy="646331"/>
           </a:xfrm>
           <a:prstGeom prst="rect">
@@ -56513,12 +56349,8 @@
           <a:lstStyle/>
           <a:p>
             <a:r>
-              <a:rPr lang="de-DE"/>
-              <a:t>Domain </a:t>
-            </a:r>
-            <a:r>
-              <a:rPr lang="de-DE" dirty="0"/>
-              <a:t>Model (DM)</a:t>
+              <a:rPr lang="de-DE" dirty="0"/>
+              <a:t>Domain Model (DM)</a:t>
             </a:r>
           </a:p>
         </p:txBody>
@@ -56537,8 +56369,8 @@
         </p:nvSpPr>
         <p:spPr>
           <a:xfrm>
-            <a:off x="41356" y="1628667"/>
-            <a:ext cx="2269916" cy="369332"/>
+            <a:off x="433725" y="1674741"/>
+            <a:ext cx="2269916" cy="646331"/>
           </a:xfrm>
           <a:prstGeom prst="rect">
             <a:avLst/>
@@ -56553,7 +56385,13 @@
           <a:p>
             <a:r>
               <a:rPr lang="de-DE" dirty="0"/>
-              <a:t>Meta-Language (ML)</a:t>
+              <a:t>Meta-</a:t>
+            </a:r>
+          </a:p>
+          <a:p>
+            <a:r>
+              <a:rPr lang="de-DE" dirty="0"/>
+              <a:t>Language (ML)</a:t>
             </a:r>
           </a:p>
         </p:txBody>
@@ -56572,7 +56410,7 @@
         </p:nvSpPr>
         <p:spPr>
           <a:xfrm>
-            <a:off x="624917" y="2385024"/>
+            <a:off x="449861" y="2539924"/>
             <a:ext cx="1405775" cy="369332"/>
           </a:xfrm>
           <a:prstGeom prst="rect">
@@ -56609,7 +56447,7 @@
         </p:nvCxnSpPr>
         <p:spPr>
           <a:xfrm>
-            <a:off x="409336" y="4258056"/>
+            <a:off x="503342" y="4258056"/>
             <a:ext cx="4732059" cy="0"/>
           </a:xfrm>
           <a:prstGeom prst="line">
@@ -56647,8 +56485,8 @@
         </p:nvCxnSpPr>
         <p:spPr>
           <a:xfrm>
-            <a:off x="105684" y="3035250"/>
-            <a:ext cx="8259414" cy="0"/>
+            <a:off x="518229" y="3035250"/>
+            <a:ext cx="7915237" cy="0"/>
           </a:xfrm>
           <a:prstGeom prst="line">
             <a:avLst/>
@@ -56721,7 +56559,7 @@
         </p:nvSpPr>
         <p:spPr>
           <a:xfrm>
-            <a:off x="2447818" y="944302"/>
+            <a:off x="2444157" y="1248774"/>
             <a:ext cx="1773660" cy="369332"/>
           </a:xfrm>
           <a:prstGeom prst="rect">
@@ -56756,7 +56594,7 @@
         </p:nvSpPr>
         <p:spPr>
           <a:xfrm>
-            <a:off x="6043174" y="5417702"/>
+            <a:off x="6043174" y="5246782"/>
             <a:ext cx="1111984" cy="369332"/>
           </a:xfrm>
           <a:prstGeom prst="rect">
@@ -56793,7 +56631,7 @@
         </p:nvCxnSpPr>
         <p:spPr>
           <a:xfrm>
-            <a:off x="5808411" y="5961447"/>
+            <a:off x="5808411" y="5790527"/>
             <a:ext cx="367981" cy="0"/>
           </a:xfrm>
           <a:prstGeom prst="straightConnector1">
@@ -56832,7 +56670,7 @@
         </p:nvSpPr>
         <p:spPr>
           <a:xfrm>
-            <a:off x="6410647" y="5796355"/>
+            <a:off x="6316641" y="5625435"/>
             <a:ext cx="1396870" cy="369332"/>
           </a:xfrm>
           <a:prstGeom prst="rect">
@@ -56868,7 +56706,7 @@
         </p:nvSpPr>
         <p:spPr>
           <a:xfrm>
-            <a:off x="6367120" y="6143132"/>
+            <a:off x="6328884" y="5881982"/>
             <a:ext cx="1396870" cy="369332"/>
           </a:xfrm>
           <a:prstGeom prst="rect">
@@ -56906,8 +56744,8 @@
         </p:nvCxnSpPr>
         <p:spPr>
           <a:xfrm>
-            <a:off x="5826023" y="6327798"/>
-            <a:ext cx="350369" cy="12700"/>
+            <a:off x="5805488" y="6088249"/>
+            <a:ext cx="370904" cy="23"/>
           </a:xfrm>
           <a:prstGeom prst="bentConnector3">
             <a:avLst>
@@ -56947,8 +56785,8 @@
         </p:nvSpPr>
         <p:spPr>
           <a:xfrm>
-            <a:off x="2179780" y="1543609"/>
-            <a:ext cx="1773660" cy="369332"/>
+            <a:off x="2179780" y="1939849"/>
+            <a:ext cx="1773660" cy="288000"/>
           </a:xfrm>
           <a:prstGeom prst="rect">
             <a:avLst/>
@@ -57015,8 +56853,8 @@
         </p:nvSpPr>
         <p:spPr>
           <a:xfrm>
-            <a:off x="2165670" y="2275279"/>
-            <a:ext cx="845475" cy="592752"/>
+            <a:off x="2158223" y="2579199"/>
+            <a:ext cx="845475" cy="288000"/>
           </a:xfrm>
           <a:prstGeom prst="rect">
             <a:avLst/>
@@ -57078,8 +56916,8 @@
         </p:nvSpPr>
         <p:spPr>
           <a:xfrm>
-            <a:off x="3149760" y="2275279"/>
-            <a:ext cx="845475" cy="592752"/>
+            <a:off x="3142313" y="2579199"/>
+            <a:ext cx="845475" cy="288000"/>
           </a:xfrm>
           <a:prstGeom prst="rect">
             <a:avLst/>
@@ -57141,8 +56979,8 @@
         </p:nvSpPr>
         <p:spPr>
           <a:xfrm>
-            <a:off x="2165669" y="3246350"/>
-            <a:ext cx="845475" cy="592752"/>
+            <a:off x="2165669" y="3482570"/>
+            <a:ext cx="845475" cy="288000"/>
           </a:xfrm>
           <a:prstGeom prst="rect">
             <a:avLst/>
@@ -57209,8 +57047,8 @@
         </p:nvSpPr>
         <p:spPr>
           <a:xfrm>
-            <a:off x="3149759" y="3255875"/>
-            <a:ext cx="845475" cy="592752"/>
+            <a:off x="3149759" y="3484475"/>
+            <a:ext cx="845475" cy="288000"/>
           </a:xfrm>
           <a:prstGeom prst="rect">
             <a:avLst/>
@@ -57277,8 +57115,8 @@
         </p:nvSpPr>
         <p:spPr>
           <a:xfrm>
-            <a:off x="2164905" y="4279364"/>
-            <a:ext cx="845475" cy="592752"/>
+            <a:off x="2164905" y="4439384"/>
+            <a:ext cx="845475" cy="288000"/>
           </a:xfrm>
           <a:prstGeom prst="rect">
             <a:avLst/>
@@ -57340,8 +57178,8 @@
         </p:nvSpPr>
         <p:spPr>
           <a:xfrm>
-            <a:off x="3148995" y="4271706"/>
-            <a:ext cx="846239" cy="592752"/>
+            <a:off x="3148995" y="4431726"/>
+            <a:ext cx="846239" cy="288000"/>
           </a:xfrm>
           <a:prstGeom prst="rect">
             <a:avLst/>
@@ -57411,7 +57249,7 @@
         </p:nvCxnSpPr>
         <p:spPr>
           <a:xfrm>
-            <a:off x="3011145" y="2571655"/>
+            <a:off x="3003698" y="2723199"/>
             <a:ext cx="138615" cy="0"/>
           </a:xfrm>
           <a:prstGeom prst="straightConnector1">
@@ -57454,8 +57292,8 @@
         </p:nvCxnSpPr>
         <p:spPr>
           <a:xfrm>
-            <a:off x="3011144" y="3542726"/>
-            <a:ext cx="138615" cy="9525"/>
+            <a:off x="3011144" y="3626570"/>
+            <a:ext cx="138615" cy="1905"/>
           </a:xfrm>
           <a:prstGeom prst="straightConnector1">
             <a:avLst/>
@@ -57497,7 +57335,7 @@
         </p:nvCxnSpPr>
         <p:spPr>
           <a:xfrm flipV="1">
-            <a:off x="3010380" y="4568082"/>
+            <a:off x="3010380" y="4575726"/>
             <a:ext cx="138615" cy="7658"/>
           </a:xfrm>
           <a:prstGeom prst="straightConnector1">
@@ -57539,9 +57377,9 @@
           <p:nvPr/>
         </p:nvCxnSpPr>
         <p:spPr>
-          <a:xfrm flipV="1">
-            <a:off x="3572497" y="2868031"/>
-            <a:ext cx="1" cy="387844"/>
+          <a:xfrm flipH="1" flipV="1">
+            <a:off x="3565051" y="2867199"/>
+            <a:ext cx="7446" cy="617276"/>
           </a:xfrm>
           <a:prstGeom prst="straightConnector1">
             <a:avLst/>
@@ -57582,9 +57420,9 @@
           <p:nvPr/>
         </p:nvCxnSpPr>
         <p:spPr>
-          <a:xfrm flipV="1">
-            <a:off x="2588407" y="2868031"/>
-            <a:ext cx="1" cy="378319"/>
+          <a:xfrm flipH="1" flipV="1">
+            <a:off x="2580961" y="2867199"/>
+            <a:ext cx="7446" cy="615371"/>
           </a:xfrm>
           <a:prstGeom prst="straightConnector1">
             <a:avLst/>
@@ -57626,8 +57464,8 @@
         </p:nvCxnSpPr>
         <p:spPr>
           <a:xfrm flipV="1">
-            <a:off x="2587643" y="3839102"/>
-            <a:ext cx="764" cy="440262"/>
+            <a:off x="2587643" y="3770570"/>
+            <a:ext cx="764" cy="668814"/>
           </a:xfrm>
           <a:prstGeom prst="straightConnector1">
             <a:avLst/>
@@ -57669,8 +57507,8 @@
         </p:nvCxnSpPr>
         <p:spPr>
           <a:xfrm flipV="1">
-            <a:off x="3572115" y="3848627"/>
-            <a:ext cx="382" cy="423079"/>
+            <a:off x="3572115" y="3772475"/>
+            <a:ext cx="382" cy="659251"/>
           </a:xfrm>
           <a:prstGeom prst="straightConnector1">
             <a:avLst/>
@@ -57708,8 +57546,8 @@
         </p:nvSpPr>
         <p:spPr>
           <a:xfrm>
-            <a:off x="5933934" y="4462896"/>
-            <a:ext cx="735961" cy="494623"/>
+            <a:off x="6301401" y="4462896"/>
+            <a:ext cx="735961" cy="288000"/>
           </a:xfrm>
           <a:prstGeom prst="rect">
             <a:avLst/>
@@ -57776,8 +57614,8 @@
         </p:nvSpPr>
         <p:spPr>
           <a:xfrm>
-            <a:off x="4671317" y="2354637"/>
-            <a:ext cx="1785862" cy="337146"/>
+            <a:off x="5218132" y="2583237"/>
+            <a:ext cx="1785979" cy="288000"/>
           </a:xfrm>
           <a:prstGeom prst="rect">
             <a:avLst/>
@@ -57839,8 +57677,8 @@
         </p:nvSpPr>
         <p:spPr>
           <a:xfrm>
-            <a:off x="4662787" y="3822895"/>
-            <a:ext cx="720000" cy="288000"/>
+            <a:off x="5218249" y="3822895"/>
+            <a:ext cx="714846" cy="288000"/>
           </a:xfrm>
           <a:prstGeom prst="rect">
             <a:avLst/>
@@ -57907,7 +57745,7 @@
         </p:nvSpPr>
         <p:spPr>
           <a:xfrm>
-            <a:off x="5741231" y="3226201"/>
+            <a:off x="6288163" y="3226201"/>
             <a:ext cx="720000" cy="288000"/>
           </a:xfrm>
           <a:prstGeom prst="rect">
@@ -57970,7 +57808,7 @@
         </p:nvSpPr>
         <p:spPr>
           <a:xfrm>
-            <a:off x="4671317" y="3223039"/>
+            <a:off x="5218249" y="3223039"/>
             <a:ext cx="720000" cy="288000"/>
           </a:xfrm>
           <a:prstGeom prst="rect">
@@ -58033,7 +57871,7 @@
         </p:nvSpPr>
         <p:spPr>
           <a:xfrm>
-            <a:off x="5737180" y="3826912"/>
+            <a:off x="6284112" y="3826912"/>
             <a:ext cx="720000" cy="288000"/>
           </a:xfrm>
           <a:prstGeom prst="rect">
@@ -58101,8 +57939,8 @@
         </p:nvSpPr>
         <p:spPr>
           <a:xfrm>
-            <a:off x="4597028" y="4462019"/>
-            <a:ext cx="845475" cy="503532"/>
+            <a:off x="5143960" y="4462019"/>
+            <a:ext cx="845475" cy="288000"/>
           </a:xfrm>
           <a:prstGeom prst="rect">
             <a:avLst/>
@@ -58168,7 +58006,7 @@
         </p:nvCxnSpPr>
         <p:spPr>
           <a:xfrm>
-            <a:off x="5391317" y="3367039"/>
+            <a:off x="5938249" y="3367039"/>
             <a:ext cx="349914" cy="3162"/>
           </a:xfrm>
           <a:prstGeom prst="bentConnector3">
@@ -58211,8 +58049,8 @@
         </p:nvCxnSpPr>
         <p:spPr>
           <a:xfrm>
-            <a:off x="5382787" y="3966895"/>
-            <a:ext cx="354393" cy="4017"/>
+            <a:off x="5933095" y="3966895"/>
+            <a:ext cx="351017" cy="4017"/>
           </a:xfrm>
           <a:prstGeom prst="bentConnector3">
             <a:avLst/>
@@ -58253,9 +58091,9 @@
           <p:nvPr/>
         </p:nvCxnSpPr>
         <p:spPr>
-          <a:xfrm flipV="1">
-            <a:off x="5442503" y="4710208"/>
-            <a:ext cx="491431" cy="3577"/>
+          <a:xfrm>
+            <a:off x="5989435" y="4606019"/>
+            <a:ext cx="311966" cy="877"/>
           </a:xfrm>
           <a:prstGeom prst="bentConnector3">
             <a:avLst>
@@ -58295,7 +58133,7 @@
         </p:nvSpPr>
         <p:spPr>
           <a:xfrm>
-            <a:off x="6040217" y="3518217"/>
+            <a:off x="6579529" y="3518217"/>
             <a:ext cx="134784" cy="118547"/>
           </a:xfrm>
           <a:prstGeom prst="triangle">
@@ -58343,8 +58181,8 @@
         </p:nvCxnSpPr>
         <p:spPr>
           <a:xfrm flipH="1">
-            <a:off x="6097180" y="3636764"/>
-            <a:ext cx="10429" cy="190148"/>
+            <a:off x="6644112" y="3636764"/>
+            <a:ext cx="2809" cy="190148"/>
           </a:xfrm>
           <a:prstGeom prst="line">
             <a:avLst/>
@@ -58383,8 +58221,8 @@
         </p:nvCxnSpPr>
         <p:spPr>
           <a:xfrm flipV="1">
-            <a:off x="5019766" y="4110895"/>
-            <a:ext cx="3021" cy="351124"/>
+            <a:off x="5566698" y="4110895"/>
+            <a:ext cx="8974" cy="351124"/>
           </a:xfrm>
           <a:prstGeom prst="straightConnector1">
             <a:avLst/>
@@ -58426,8 +58264,8 @@
         </p:nvCxnSpPr>
         <p:spPr>
           <a:xfrm flipH="1" flipV="1">
-            <a:off x="6097180" y="4114912"/>
-            <a:ext cx="204735" cy="347984"/>
+            <a:off x="6644112" y="4114912"/>
+            <a:ext cx="25270" cy="347984"/>
           </a:xfrm>
           <a:prstGeom prst="straightConnector1">
             <a:avLst/>
@@ -58468,13 +58306,13 @@
           <p:nvPr/>
         </p:nvCxnSpPr>
         <p:spPr>
-          <a:xfrm rot="10800000" flipH="1">
-            <a:off x="4662787" y="2523211"/>
-            <a:ext cx="8530" cy="1443685"/>
+          <a:xfrm rot="10800000">
+            <a:off x="5218133" y="2727237"/>
+            <a:ext cx="117" cy="1239658"/>
           </a:xfrm>
           <a:prstGeom prst="bentConnector3">
             <a:avLst>
-              <a:gd name="adj1" fmla="val -2679953"/>
+              <a:gd name="adj1" fmla="val 195484615"/>
             </a:avLst>
           </a:prstGeom>
           <a:ln>
@@ -58514,8 +58352,8 @@
         </p:nvCxnSpPr>
         <p:spPr>
           <a:xfrm flipH="1" flipV="1">
-            <a:off x="6457179" y="2523210"/>
-            <a:ext cx="1" cy="1447702"/>
+            <a:off x="7004111" y="2727237"/>
+            <a:ext cx="1" cy="1243675"/>
           </a:xfrm>
           <a:prstGeom prst="bentConnector3">
             <a:avLst>
@@ -58553,14 +58391,13 @@
           <p:cNvCxnSpPr>
             <a:cxnSpLocks/>
             <a:stCxn id="41" idx="0"/>
-            <a:endCxn id="224" idx="2"/>
           </p:cNvCxnSpPr>
           <p:nvPr/>
         </p:nvCxnSpPr>
         <p:spPr>
-          <a:xfrm rot="16200000" flipV="1">
-            <a:off x="5837655" y="2962624"/>
-            <a:ext cx="523103" cy="4051"/>
+          <a:xfrm rot="5400000" flipH="1" flipV="1">
+            <a:off x="6474275" y="3050757"/>
+            <a:ext cx="349332" cy="1556"/>
           </a:xfrm>
           <a:prstGeom prst="bentConnector3">
             <a:avLst>
@@ -58598,14 +58435,13 @@
           <p:cNvCxnSpPr>
             <a:cxnSpLocks/>
             <a:stCxn id="42" idx="0"/>
-            <a:endCxn id="223" idx="2"/>
           </p:cNvCxnSpPr>
           <p:nvPr/>
         </p:nvCxnSpPr>
         <p:spPr>
-          <a:xfrm rot="16200000" flipV="1">
-            <a:off x="4773426" y="2965147"/>
-            <a:ext cx="511974" cy="3809"/>
+          <a:xfrm rot="5400000" flipH="1" flipV="1">
+            <a:off x="5405164" y="3049954"/>
+            <a:ext cx="346171" cy="1"/>
           </a:xfrm>
           <a:prstGeom prst="bentConnector3">
             <a:avLst>
@@ -58645,7 +58481,7 @@
         </p:nvSpPr>
         <p:spPr>
           <a:xfrm>
-            <a:off x="6836291" y="2370218"/>
+            <a:off x="4116826" y="2549539"/>
             <a:ext cx="1576076" cy="369332"/>
           </a:xfrm>
           <a:prstGeom prst="rect">
@@ -58680,7 +58516,7 @@
         </p:nvSpPr>
         <p:spPr>
           <a:xfrm>
-            <a:off x="6815623" y="3358381"/>
+            <a:off x="4081057" y="3362506"/>
             <a:ext cx="1576076" cy="369332"/>
           </a:xfrm>
           <a:prstGeom prst="rect">
@@ -58715,7 +58551,7 @@
         </p:nvSpPr>
         <p:spPr>
           <a:xfrm>
-            <a:off x="6883166" y="4545201"/>
+            <a:off x="4137212" y="4460362"/>
             <a:ext cx="1576076" cy="369332"/>
           </a:xfrm>
           <a:prstGeom prst="rect">
@@ -58750,7 +58586,7 @@
         </p:nvSpPr>
         <p:spPr>
           <a:xfrm>
-            <a:off x="5237572" y="868267"/>
+            <a:off x="5253333" y="1243354"/>
             <a:ext cx="1773660" cy="369332"/>
           </a:xfrm>
           <a:prstGeom prst="rect">
@@ -58786,8 +58622,8 @@
         </p:nvSpPr>
         <p:spPr>
           <a:xfrm>
-            <a:off x="8186072" y="2435509"/>
-            <a:ext cx="1172589" cy="410578"/>
+            <a:off x="8579179" y="2580289"/>
+            <a:ext cx="1172589" cy="288000"/>
           </a:xfrm>
           <a:prstGeom prst="rect">
             <a:avLst/>
@@ -58849,7 +58685,7 @@
         </p:nvSpPr>
         <p:spPr>
           <a:xfrm>
-            <a:off x="8354901" y="3777369"/>
+            <a:off x="8748008" y="3777369"/>
             <a:ext cx="839945" cy="393558"/>
           </a:xfrm>
           <a:prstGeom prst="rect">
@@ -58917,7 +58753,7 @@
         </p:nvSpPr>
         <p:spPr>
           <a:xfrm>
-            <a:off x="9966386" y="3670557"/>
+            <a:off x="10359493" y="3670557"/>
             <a:ext cx="742084" cy="320032"/>
           </a:xfrm>
           <a:prstGeom prst="rect">
@@ -58980,7 +58816,7 @@
         </p:nvSpPr>
         <p:spPr>
           <a:xfrm>
-            <a:off x="8354902" y="3141537"/>
+            <a:off x="8748009" y="3141537"/>
             <a:ext cx="845475" cy="215762"/>
           </a:xfrm>
           <a:prstGeom prst="rect">
@@ -59043,8 +58879,8 @@
         </p:nvSpPr>
         <p:spPr>
           <a:xfrm>
-            <a:off x="9726871" y="4462019"/>
-            <a:ext cx="1221113" cy="669638"/>
+            <a:off x="10119978" y="4462019"/>
+            <a:ext cx="1221113" cy="288000"/>
           </a:xfrm>
           <a:prstGeom prst="rect">
             <a:avLst/>
@@ -59111,8 +58947,8 @@
         </p:nvSpPr>
         <p:spPr>
           <a:xfrm>
-            <a:off x="8354901" y="4546772"/>
-            <a:ext cx="845475" cy="503532"/>
+            <a:off x="8748008" y="4546772"/>
+            <a:ext cx="845475" cy="288000"/>
           </a:xfrm>
           <a:prstGeom prst="rect">
             <a:avLst/>
@@ -59178,7 +59014,7 @@
         </p:nvCxnSpPr>
         <p:spPr>
           <a:xfrm>
-            <a:off x="9200377" y="3249418"/>
+            <a:off x="9593484" y="3249418"/>
             <a:ext cx="766009" cy="581155"/>
           </a:xfrm>
           <a:prstGeom prst="bentConnector3">
@@ -59219,7 +59055,7 @@
         </p:nvSpPr>
         <p:spPr>
           <a:xfrm rot="21442739">
-            <a:off x="8708560" y="3364062"/>
+            <a:off x="9101667" y="3364062"/>
             <a:ext cx="134784" cy="118547"/>
           </a:xfrm>
           <a:prstGeom prst="triangle">
@@ -59267,7 +59103,7 @@
         </p:nvCxnSpPr>
         <p:spPr>
           <a:xfrm flipH="1" flipV="1">
-            <a:off x="8774874" y="4170927"/>
+            <a:off x="9167981" y="4170927"/>
             <a:ext cx="2765" cy="375845"/>
           </a:xfrm>
           <a:prstGeom prst="straightConnector1">
@@ -59310,8 +59146,8 @@
         </p:nvCxnSpPr>
         <p:spPr>
           <a:xfrm flipH="1" flipV="1">
-            <a:off x="8772367" y="2846087"/>
-            <a:ext cx="5273" cy="295450"/>
+            <a:off x="9165474" y="2868289"/>
+            <a:ext cx="5273" cy="273248"/>
           </a:xfrm>
           <a:prstGeom prst="straightConnector1">
             <a:avLst/>
@@ -59353,8 +59189,8 @@
         </p:nvCxnSpPr>
         <p:spPr>
           <a:xfrm flipV="1">
-            <a:off x="9200376" y="4796838"/>
-            <a:ext cx="526495" cy="1700"/>
+            <a:off x="9593483" y="4606019"/>
+            <a:ext cx="526495" cy="84753"/>
           </a:xfrm>
           <a:prstGeom prst="bentConnector3">
             <a:avLst>
@@ -59398,8 +59234,8 @@
         </p:nvCxnSpPr>
         <p:spPr>
           <a:xfrm rot="16200000" flipV="1">
-            <a:off x="9333166" y="2666294"/>
-            <a:ext cx="1029759" cy="978767"/>
+            <a:off x="9768018" y="2708039"/>
+            <a:ext cx="946268" cy="978767"/>
           </a:xfrm>
           <a:prstGeom prst="bentConnector2">
             <a:avLst/>
@@ -59441,8 +59277,8 @@
         </p:nvCxnSpPr>
         <p:spPr>
           <a:xfrm rot="10800000">
-            <a:off x="8186073" y="2640798"/>
-            <a:ext cx="168829" cy="1333350"/>
+            <a:off x="8579180" y="2724290"/>
+            <a:ext cx="168829" cy="1249859"/>
           </a:xfrm>
           <a:prstGeom prst="bentConnector3">
             <a:avLst>
@@ -59591,7 +59427,7 @@
         </p:nvCxnSpPr>
         <p:spPr>
           <a:xfrm flipV="1">
-            <a:off x="10337428" y="3990589"/>
+            <a:off x="10730535" y="3990589"/>
             <a:ext cx="0" cy="471430"/>
           </a:xfrm>
           <a:prstGeom prst="straightConnector1">
@@ -59634,7 +59470,7 @@
         </p:nvCxnSpPr>
         <p:spPr>
           <a:xfrm rot="5400000" flipH="1" flipV="1">
-            <a:off x="8629357" y="3628064"/>
+            <a:off x="9022464" y="3628064"/>
             <a:ext cx="294822" cy="3789"/>
           </a:xfrm>
           <a:prstGeom prst="bentConnector3">
@@ -59679,7 +59515,7 @@
         <p:spPr>
           <a:xfrm>
             <a:off x="7472635" y="3035250"/>
-            <a:ext cx="4309790" cy="18870"/>
+            <a:ext cx="3805449" cy="10206"/>
           </a:xfrm>
           <a:prstGeom prst="line">
             <a:avLst/>
@@ -59714,7 +59550,7 @@
         </p:nvSpPr>
         <p:spPr>
           <a:xfrm>
-            <a:off x="9152409" y="754958"/>
+            <a:off x="9047816" y="1243537"/>
             <a:ext cx="1773660" cy="369332"/>
           </a:xfrm>
           <a:prstGeom prst="rect">
@@ -59751,7 +59587,7 @@
         </p:nvCxnSpPr>
         <p:spPr>
           <a:xfrm>
-            <a:off x="7472635" y="1124290"/>
+            <a:off x="7387175" y="1124290"/>
             <a:ext cx="0" cy="4359865"/>
           </a:xfrm>
           <a:prstGeom prst="line">
@@ -59787,7 +59623,7 @@
         </p:nvSpPr>
         <p:spPr>
           <a:xfrm>
-            <a:off x="10881758" y="2426483"/>
+            <a:off x="7391718" y="2538722"/>
             <a:ext cx="1576076" cy="369332"/>
           </a:xfrm>
           <a:prstGeom prst="rect">
@@ -59822,7 +59658,7 @@
         </p:nvSpPr>
         <p:spPr>
           <a:xfrm>
-            <a:off x="11193068" y="4588187"/>
+            <a:off x="7421641" y="4449190"/>
             <a:ext cx="1576076" cy="369332"/>
           </a:xfrm>
           <a:prstGeom prst="rect">
@@ -59857,7 +59693,7 @@
         </p:nvSpPr>
         <p:spPr>
           <a:xfrm>
-            <a:off x="10811861" y="3533871"/>
+            <a:off x="7409360" y="3440146"/>
             <a:ext cx="1576076" cy="369332"/>
           </a:xfrm>
           <a:prstGeom prst="rect">
@@ -59892,7 +59728,7 @@
         </p:nvSpPr>
         <p:spPr>
           <a:xfrm>
-            <a:off x="4512026" y="2364894"/>
+            <a:off x="5058958" y="2364894"/>
             <a:ext cx="1030964" cy="346171"/>
           </a:xfrm>
           <a:prstGeom prst="rect">
@@ -59942,7 +59778,7 @@
         </p:nvSpPr>
         <p:spPr>
           <a:xfrm>
-            <a:off x="5619967" y="2356927"/>
+            <a:off x="6166899" y="2356927"/>
             <a:ext cx="954426" cy="346171"/>
           </a:xfrm>
           <a:prstGeom prst="rect">
@@ -59992,7 +59828,7 @@
         </p:nvSpPr>
         <p:spPr>
           <a:xfrm>
-            <a:off x="6430210" y="6496760"/>
+            <a:off x="6328884" y="6165854"/>
             <a:ext cx="1396870" cy="369332"/>
           </a:xfrm>
           <a:prstGeom prst="rect">
@@ -60028,7 +59864,7 @@
         </p:nvSpPr>
         <p:spPr>
           <a:xfrm rot="5400000">
-            <a:off x="6013497" y="6580183"/>
+            <a:off x="6013497" y="6281073"/>
             <a:ext cx="134784" cy="118547"/>
           </a:xfrm>
           <a:prstGeom prst="triangle">
@@ -60075,7 +59911,7 @@
         </p:nvCxnSpPr>
         <p:spPr>
           <a:xfrm flipH="1">
-            <a:off x="5826365" y="6639457"/>
+            <a:off x="5826365" y="6340347"/>
             <a:ext cx="195251" cy="0"/>
           </a:xfrm>
           <a:prstGeom prst="line">
@@ -60114,8 +59950,8 @@
         </p:nvCxnSpPr>
         <p:spPr>
           <a:xfrm rot="5400000" flipH="1" flipV="1">
-            <a:off x="2419954" y="2100825"/>
-            <a:ext cx="342909" cy="6000"/>
+            <a:off x="2412294" y="2410218"/>
+            <a:ext cx="337649" cy="314"/>
           </a:xfrm>
           <a:prstGeom prst="bentConnector3">
             <a:avLst>
@@ -60158,8 +59994,8 @@
         </p:nvCxnSpPr>
         <p:spPr>
           <a:xfrm rot="16200000" flipV="1">
-            <a:off x="3377162" y="2079942"/>
-            <a:ext cx="390291" cy="383"/>
+            <a:off x="3389376" y="2403523"/>
+            <a:ext cx="351350" cy="1"/>
           </a:xfrm>
           <a:prstGeom prst="bentConnector3">
             <a:avLst>
@@ -60201,8 +60037,8 @@
         </p:nvCxnSpPr>
         <p:spPr>
           <a:xfrm>
-            <a:off x="105684" y="2130375"/>
-            <a:ext cx="12000591" cy="0"/>
+            <a:off x="510540" y="2381835"/>
+            <a:ext cx="10767544" cy="35366"/>
           </a:xfrm>
           <a:prstGeom prst="line">
             <a:avLst/>
@@ -60237,7 +60073,7 @@
         </p:nvSpPr>
         <p:spPr>
           <a:xfrm>
-            <a:off x="4936349" y="3513921"/>
+            <a:off x="5506141" y="3513921"/>
             <a:ext cx="134784" cy="118547"/>
           </a:xfrm>
           <a:prstGeom prst="triangle">
@@ -60285,8 +60121,8 @@
         </p:nvCxnSpPr>
         <p:spPr>
           <a:xfrm>
-            <a:off x="5003741" y="3632468"/>
-            <a:ext cx="19046" cy="190427"/>
+            <a:off x="5573533" y="3632468"/>
+            <a:ext cx="2139" cy="190427"/>
           </a:xfrm>
           <a:prstGeom prst="line">
             <a:avLst/>
@@ -60351,8 +60187,8 @@
         </p:nvSpPr>
         <p:spPr>
           <a:xfrm>
-            <a:off x="7758458" y="3253857"/>
-            <a:ext cx="735961" cy="494623"/>
+            <a:off x="7758458" y="3241952"/>
+            <a:ext cx="735961" cy="288000"/>
           </a:xfrm>
           <a:prstGeom prst="rect">
             <a:avLst/>
@@ -60487,7 +60323,7 @@
         </p:nvSpPr>
         <p:spPr>
           <a:xfrm>
-            <a:off x="7747301" y="2121363"/>
+            <a:off x="7761587" y="2118982"/>
             <a:ext cx="720000" cy="288000"/>
           </a:xfrm>
           <a:prstGeom prst="rect">
@@ -60613,7 +60449,7 @@
         </p:nvSpPr>
         <p:spPr>
           <a:xfrm>
-            <a:off x="7747301" y="2717241"/>
+            <a:off x="7763968" y="2712479"/>
             <a:ext cx="720000" cy="288000"/>
           </a:xfrm>
           <a:prstGeom prst="rect">
@@ -60682,7 +60518,7 @@
         <p:spPr>
           <a:xfrm>
             <a:off x="6610170" y="3242330"/>
-            <a:ext cx="845475" cy="503532"/>
+            <a:ext cx="845475" cy="288000"/>
           </a:xfrm>
           <a:prstGeom prst="rect">
             <a:avLst/>
@@ -60749,7 +60585,7 @@
         <p:spPr>
           <a:xfrm>
             <a:off x="7397387" y="2262201"/>
-            <a:ext cx="349914" cy="3162"/>
+            <a:ext cx="364200" cy="781"/>
           </a:xfrm>
           <a:prstGeom prst="bentConnector3">
             <a:avLst/>
@@ -60790,9 +60626,9 @@
           <p:nvPr/>
         </p:nvCxnSpPr>
         <p:spPr>
-          <a:xfrm>
-            <a:off x="7392908" y="2857224"/>
-            <a:ext cx="354393" cy="4017"/>
+          <a:xfrm flipV="1">
+            <a:off x="7392908" y="2856479"/>
+            <a:ext cx="371060" cy="745"/>
           </a:xfrm>
           <a:prstGeom prst="bentConnector3">
             <a:avLst/>
@@ -60833,9 +60669,9 @@
           <p:nvPr/>
         </p:nvCxnSpPr>
         <p:spPr>
-          <a:xfrm>
-            <a:off x="7455645" y="3494096"/>
-            <a:ext cx="302813" cy="7073"/>
+          <a:xfrm flipV="1">
+            <a:off x="7455645" y="3385952"/>
+            <a:ext cx="302813" cy="378"/>
           </a:xfrm>
           <a:prstGeom prst="bentConnector3">
             <a:avLst>
@@ -60875,7 +60711,7 @@
         </p:nvSpPr>
         <p:spPr>
           <a:xfrm>
-            <a:off x="6954359" y="2403189"/>
+            <a:off x="6959122" y="2403189"/>
             <a:ext cx="134784" cy="118547"/>
           </a:xfrm>
           <a:prstGeom prst="triangle">
@@ -60923,8 +60759,8 @@
         </p:nvCxnSpPr>
         <p:spPr>
           <a:xfrm>
-            <a:off x="7021751" y="2521736"/>
-            <a:ext cx="11157" cy="191488"/>
+            <a:off x="7026514" y="2521736"/>
+            <a:ext cx="6394" cy="191488"/>
           </a:xfrm>
           <a:prstGeom prst="line">
             <a:avLst/>
@@ -61006,8 +60842,8 @@
         </p:nvCxnSpPr>
         <p:spPr>
           <a:xfrm flipH="1" flipV="1">
-            <a:off x="8107301" y="3005241"/>
-            <a:ext cx="19138" cy="248616"/>
+            <a:off x="8123968" y="3000479"/>
+            <a:ext cx="2471" cy="241473"/>
           </a:xfrm>
           <a:prstGeom prst="straightConnector1">
             <a:avLst/>
@@ -61048,9 +60884,9 @@
           <p:nvPr/>
         </p:nvCxnSpPr>
         <p:spPr>
-          <a:xfrm rot="5400000" flipH="1" flipV="1">
-            <a:off x="7953362" y="2563302"/>
-            <a:ext cx="307878" cy="12700"/>
+          <a:xfrm rot="16200000" flipV="1">
+            <a:off x="7970030" y="2558540"/>
+            <a:ext cx="305497" cy="2381"/>
           </a:xfrm>
           <a:prstGeom prst="bentConnector3">
             <a:avLst/>
@@ -61157,7 +60993,7 @@
         </p:nvSpPr>
         <p:spPr>
           <a:xfrm>
-            <a:off x="6552633" y="4036614"/>
+            <a:off x="6552633" y="3727043"/>
             <a:ext cx="2108835" cy="288000"/>
           </a:xfrm>
           <a:prstGeom prst="rect">
@@ -61226,7 +61062,7 @@
         <p:spPr>
           <a:xfrm flipV="1">
             <a:off x="7607051" y="1886300"/>
-            <a:ext cx="11417" cy="2150314"/>
+            <a:ext cx="11417" cy="1840743"/>
           </a:xfrm>
           <a:prstGeom prst="straightConnector1">
             <a:avLst/>
@@ -61266,9 +61102,9 @@
           <p:nvPr/>
         </p:nvCxnSpPr>
         <p:spPr>
-          <a:xfrm rot="16200000" flipH="1">
-            <a:off x="7989770" y="2003831"/>
-            <a:ext cx="228713" cy="6350"/>
+          <a:xfrm rot="5400000">
+            <a:off x="8010263" y="2006800"/>
+            <a:ext cx="223507" cy="857"/>
           </a:xfrm>
           <a:prstGeom prst="bentConnector3">
             <a:avLst/>
@@ -61303,14 +61139,13 @@
           </p:cNvPr>
           <p:cNvCxnSpPr>
             <a:cxnSpLocks/>
-            <a:endCxn id="64" idx="2"/>
           </p:cNvCxnSpPr>
           <p:nvPr/>
         </p:nvCxnSpPr>
         <p:spPr>
-          <a:xfrm rot="5400000" flipH="1" flipV="1">
-            <a:off x="6896669" y="3882101"/>
-            <a:ext cx="272478" cy="12700"/>
+          <a:xfrm rot="16200000" flipV="1">
+            <a:off x="6938970" y="3555689"/>
+            <a:ext cx="189183" cy="1305"/>
           </a:xfrm>
           <a:prstGeom prst="bentConnector3">
             <a:avLst>
@@ -61353,8 +61188,8 @@
         </p:nvCxnSpPr>
         <p:spPr>
           <a:xfrm rot="16200000" flipV="1">
-            <a:off x="8014211" y="3860708"/>
-            <a:ext cx="270652" cy="46195"/>
+            <a:off x="8031660" y="3624732"/>
+            <a:ext cx="189561" cy="1"/>
           </a:xfrm>
           <a:prstGeom prst="bentConnector3">
             <a:avLst>
@@ -61485,7 +61320,7 @@
         </p:nvCxnSpPr>
         <p:spPr>
           <a:xfrm flipH="1">
-            <a:off x="7607051" y="4180614"/>
+            <a:off x="7607051" y="3871043"/>
             <a:ext cx="1054417" cy="144000"/>
           </a:xfrm>
           <a:prstGeom prst="bentConnector4">
@@ -61565,7 +61400,7 @@
         </p:nvSpPr>
         <p:spPr>
           <a:xfrm>
-            <a:off x="4840924" y="2569702"/>
+            <a:off x="5207362" y="1913286"/>
             <a:ext cx="1111984" cy="307777"/>
           </a:xfrm>
           <a:prstGeom prst="rect">
@@ -61602,7 +61437,7 @@
         </p:nvCxnSpPr>
         <p:spPr>
           <a:xfrm>
-            <a:off x="4606161" y="3113447"/>
+            <a:off x="4972599" y="2335111"/>
             <a:ext cx="367981" cy="0"/>
           </a:xfrm>
           <a:prstGeom prst="straightConnector1">
@@ -61641,7 +61476,7 @@
         </p:nvSpPr>
         <p:spPr>
           <a:xfrm>
-            <a:off x="5208397" y="2948355"/>
+            <a:off x="5574835" y="2170019"/>
             <a:ext cx="1396870" cy="307777"/>
           </a:xfrm>
           <a:prstGeom prst="rect">
@@ -61677,7 +61512,7 @@
         </p:nvSpPr>
         <p:spPr>
           <a:xfrm>
-            <a:off x="5164870" y="3295132"/>
+            <a:off x="5590461" y="2443838"/>
             <a:ext cx="1396870" cy="307777"/>
           </a:xfrm>
           <a:prstGeom prst="rect">
@@ -61714,9 +61549,9 @@
           <p:nvPr/>
         </p:nvCxnSpPr>
         <p:spPr>
-          <a:xfrm>
-            <a:off x="4623773" y="3479798"/>
-            <a:ext cx="350369" cy="12700"/>
+          <a:xfrm flipV="1">
+            <a:off x="4979713" y="2615102"/>
+            <a:ext cx="360867" cy="2"/>
           </a:xfrm>
           <a:prstGeom prst="bentConnector3">
             <a:avLst>
@@ -61756,7 +61591,7 @@
         </p:nvSpPr>
         <p:spPr>
           <a:xfrm>
-            <a:off x="5227960" y="3648760"/>
+            <a:off x="5568592" y="2695571"/>
             <a:ext cx="1396870" cy="307777"/>
           </a:xfrm>
           <a:prstGeom prst="rect">
@@ -61792,7 +61627,7 @@
         </p:nvSpPr>
         <p:spPr>
           <a:xfrm rot="5400000">
-            <a:off x="4811247" y="3732183"/>
+            <a:off x="5177685" y="2778587"/>
             <a:ext cx="134784" cy="118547"/>
           </a:xfrm>
           <a:prstGeom prst="triangle">
@@ -61839,7 +61674,7 @@
         </p:nvCxnSpPr>
         <p:spPr>
           <a:xfrm flipH="1">
-            <a:off x="4624115" y="3791457"/>
+            <a:off x="4990553" y="2837861"/>
             <a:ext cx="195251" cy="0"/>
           </a:xfrm>
           <a:prstGeom prst="line">
